--- a/AirPollutionControl/Vortrag_APC.pptx
+++ b/AirPollutionControl/Vortrag_APC.pptx
@@ -5,10 +5,10 @@
     <p:sldMasterId id="2147483648" r:id="rId4"/>
   </p:sldMasterIdLst>
   <p:notesMasterIdLst>
-    <p:notesMasterId r:id="rId17"/>
+    <p:notesMasterId r:id="rId18"/>
   </p:notesMasterIdLst>
   <p:handoutMasterIdLst>
-    <p:handoutMasterId r:id="rId18"/>
+    <p:handoutMasterId r:id="rId19"/>
   </p:handoutMasterIdLst>
   <p:sldIdLst>
     <p:sldId id="257" r:id="rId5"/>
@@ -17,12 +17,13 @@
     <p:sldId id="287" r:id="rId8"/>
     <p:sldId id="283" r:id="rId9"/>
     <p:sldId id="284" r:id="rId10"/>
-    <p:sldId id="281" r:id="rId11"/>
-    <p:sldId id="278" r:id="rId12"/>
-    <p:sldId id="279" r:id="rId13"/>
-    <p:sldId id="285" r:id="rId14"/>
-    <p:sldId id="286" r:id="rId15"/>
-    <p:sldId id="280" r:id="rId16"/>
+    <p:sldId id="288" r:id="rId11"/>
+    <p:sldId id="281" r:id="rId12"/>
+    <p:sldId id="278" r:id="rId13"/>
+    <p:sldId id="279" r:id="rId14"/>
+    <p:sldId id="285" r:id="rId15"/>
+    <p:sldId id="286" r:id="rId16"/>
+    <p:sldId id="280" r:id="rId17"/>
   </p:sldIdLst>
   <p:sldSz cx="12188825" cy="6858000"/>
   <p:notesSz cx="6858000" cy="9144000"/>
@@ -238,7 +239,7 @@
             <a:pPr algn="r" rtl="0"/>
             <a:fld id="{D23AD615-F7B9-4CA9-9630-D989E6B4EEBC}" type="datetime1">
               <a:rPr lang="de-DE" smtClean="0"/>
-              <a:t>11.07.2018</a:t>
+              <a:t>12.07.2018</a:t>
             </a:fld>
             <a:endParaRPr lang="de-DE" dirty="0"/>
           </a:p>
@@ -408,7 +409,7 @@
             <a:fld id="{420BF37A-35FB-46AF-80C3-B0D3242F2FFD}" type="datetime1">
               <a:rPr lang="de-DE" smtClean="0"/>
               <a:pPr/>
-              <a:t>11.07.2018</a:t>
+              <a:t>12.07.2018</a:t>
             </a:fld>
             <a:endParaRPr lang="de-DE" dirty="0"/>
           </a:p>
@@ -838,7 +839,7 @@
     </p:spTree>
     <p:extLst>
       <p:ext uri="{BB962C8B-B14F-4D97-AF65-F5344CB8AC3E}">
-        <p14:creationId xmlns:p14="http://schemas.microsoft.com/office/powerpoint/2010/main" val="3972716705"/>
+        <p14:creationId xmlns:p14="http://schemas.microsoft.com/office/powerpoint/2010/main" val="1779040483"/>
       </p:ext>
     </p:extLst>
   </p:cSld>
@@ -923,7 +924,7 @@
     </p:spTree>
     <p:extLst>
       <p:ext uri="{BB962C8B-B14F-4D97-AF65-F5344CB8AC3E}">
-        <p14:creationId xmlns:p14="http://schemas.microsoft.com/office/powerpoint/2010/main" val="1241611451"/>
+        <p14:creationId xmlns:p14="http://schemas.microsoft.com/office/powerpoint/2010/main" val="3972716705"/>
       </p:ext>
     </p:extLst>
   </p:cSld>
@@ -996,10 +997,95 @@
           <a:bodyPr/>
           <a:lstStyle/>
           <a:p>
-            <a:pPr rtl="0"/>
             <a:fld id="{2E61351F-DBB1-4664-ADA9-83BC7CB8848D}" type="slidenum">
               <a:rPr lang="de-DE" smtClean="0"/>
+              <a:pPr/>
               <a:t>12</a:t>
+            </a:fld>
+            <a:endParaRPr lang="de-DE" dirty="0"/>
+          </a:p>
+        </p:txBody>
+      </p:sp>
+    </p:spTree>
+    <p:extLst>
+      <p:ext uri="{BB962C8B-B14F-4D97-AF65-F5344CB8AC3E}">
+        <p14:creationId xmlns:p14="http://schemas.microsoft.com/office/powerpoint/2010/main" val="1241611451"/>
+      </p:ext>
+    </p:extLst>
+  </p:cSld>
+  <p:clrMapOvr>
+    <a:masterClrMapping/>
+  </p:clrMapOvr>
+</p:notes>
+</file>
+
+<file path=ppt/notesSlides/notesSlide13.xml><?xml version="1.0" encoding="utf-8"?>
+<p:notes xmlns:a="http://schemas.openxmlformats.org/drawingml/2006/main" xmlns:r="http://schemas.openxmlformats.org/officeDocument/2006/relationships" xmlns:p="http://schemas.openxmlformats.org/presentationml/2006/main">
+  <p:cSld>
+    <p:spTree>
+      <p:nvGrpSpPr>
+        <p:cNvPr id="1" name=""/>
+        <p:cNvGrpSpPr/>
+        <p:nvPr/>
+      </p:nvGrpSpPr>
+      <p:grpSpPr>
+        <a:xfrm>
+          <a:off x="0" y="0"/>
+          <a:ext cx="0" cy="0"/>
+          <a:chOff x="0" y="0"/>
+          <a:chExt cx="0" cy="0"/>
+        </a:xfrm>
+      </p:grpSpPr>
+      <p:sp>
+        <p:nvSpPr>
+          <p:cNvPr id="2" name="Folienbildplatzhalter 1"/>
+          <p:cNvSpPr>
+            <a:spLocks noGrp="1" noRot="1" noChangeAspect="1"/>
+          </p:cNvSpPr>
+          <p:nvPr>
+            <p:ph type="sldImg"/>
+          </p:nvPr>
+        </p:nvSpPr>
+        <p:spPr/>
+      </p:sp>
+      <p:sp>
+        <p:nvSpPr>
+          <p:cNvPr id="3" name="Notizenplatzhalter 2"/>
+          <p:cNvSpPr>
+            <a:spLocks noGrp="1"/>
+          </p:cNvSpPr>
+          <p:nvPr>
+            <p:ph type="body" idx="1"/>
+          </p:nvPr>
+        </p:nvSpPr>
+        <p:spPr/>
+        <p:txBody>
+          <a:bodyPr/>
+          <a:lstStyle/>
+          <a:p>
+            <a:endParaRPr lang="de-DE" dirty="0"/>
+          </a:p>
+        </p:txBody>
+      </p:sp>
+      <p:sp>
+        <p:nvSpPr>
+          <p:cNvPr id="4" name="Foliennummernplatzhalter 3"/>
+          <p:cNvSpPr>
+            <a:spLocks noGrp="1"/>
+          </p:cNvSpPr>
+          <p:nvPr>
+            <p:ph type="sldNum" sz="quarter" idx="10"/>
+          </p:nvPr>
+        </p:nvSpPr>
+        <p:spPr/>
+        <p:txBody>
+          <a:bodyPr/>
+          <a:lstStyle/>
+          <a:p>
+            <a:pPr rtl="0"/>
+            <a:fld id="{2E61351F-DBB1-4664-ADA9-83BC7CB8848D}" type="slidenum">
+              <a:rPr lang="de-DE" smtClean="0"/>
+              <a:t>13</a:t>
             </a:fld>
             <a:endParaRPr lang="de-DE" dirty="0"/>
           </a:p>
@@ -1539,7 +1625,7 @@
     </p:spTree>
     <p:extLst>
       <p:ext uri="{BB962C8B-B14F-4D97-AF65-F5344CB8AC3E}">
-        <p14:creationId xmlns:p14="http://schemas.microsoft.com/office/powerpoint/2010/main" val="3036836699"/>
+        <p14:creationId xmlns:p14="http://schemas.microsoft.com/office/powerpoint/2010/main" val="618120272"/>
       </p:ext>
     </p:extLst>
   </p:cSld>
@@ -1624,7 +1710,7 @@
     </p:spTree>
     <p:extLst>
       <p:ext uri="{BB962C8B-B14F-4D97-AF65-F5344CB8AC3E}">
-        <p14:creationId xmlns:p14="http://schemas.microsoft.com/office/powerpoint/2010/main" val="553704933"/>
+        <p14:creationId xmlns:p14="http://schemas.microsoft.com/office/powerpoint/2010/main" val="3036836699"/>
       </p:ext>
     </p:extLst>
   </p:cSld>
@@ -1709,7 +1795,7 @@
     </p:spTree>
     <p:extLst>
       <p:ext uri="{BB962C8B-B14F-4D97-AF65-F5344CB8AC3E}">
-        <p14:creationId xmlns:p14="http://schemas.microsoft.com/office/powerpoint/2010/main" val="1779040483"/>
+        <p14:creationId xmlns:p14="http://schemas.microsoft.com/office/powerpoint/2010/main" val="553704933"/>
       </p:ext>
     </p:extLst>
   </p:cSld>
@@ -1930,7 +2016,7 @@
             <a:fld id="{EA46BD94-2FD0-40AA-9E78-13B3B4B10815}" type="datetime1">
               <a:rPr lang="de-DE" smtClean="0"/>
               <a:pPr/>
-              <a:t>11.07.2018</a:t>
+              <a:t>12.07.2018</a:t>
             </a:fld>
             <a:endParaRPr lang="de-DE" dirty="0"/>
           </a:p>
@@ -2159,7 +2245,7 @@
             <a:fld id="{CC70AB1F-8569-428E-B42A-26EA39748EB7}" type="datetime1">
               <a:rPr lang="de-DE" smtClean="0"/>
               <a:pPr/>
-              <a:t>11.07.2018</a:t>
+              <a:t>12.07.2018</a:t>
             </a:fld>
             <a:endParaRPr lang="de-DE" dirty="0"/>
           </a:p>
@@ -2382,7 +2468,7 @@
             <a:fld id="{68341A09-17F0-4FA8-8CAC-4F6FB8D3075D}" type="datetime1">
               <a:rPr lang="de-DE" smtClean="0"/>
               <a:pPr/>
-              <a:t>11.07.2018</a:t>
+              <a:t>12.07.2018</a:t>
             </a:fld>
             <a:endParaRPr lang="de-DE" dirty="0"/>
           </a:p>
@@ -2595,7 +2681,7 @@
             <a:fld id="{55292518-4F25-43B4-8A56-ADBE8058AA48}" type="datetime1">
               <a:rPr lang="de-DE" smtClean="0"/>
               <a:pPr/>
-              <a:t>11.07.2018</a:t>
+              <a:t>12.07.2018</a:t>
             </a:fld>
             <a:endParaRPr lang="de-DE" dirty="0"/>
           </a:p>
@@ -2887,7 +2973,7 @@
             <a:fld id="{870E1608-88FC-4497-8BA7-659ADFFD9BF4}" type="datetime1">
               <a:rPr lang="de-DE" smtClean="0"/>
               <a:pPr/>
-              <a:t>11.07.2018</a:t>
+              <a:t>12.07.2018</a:t>
             </a:fld>
             <a:endParaRPr lang="de-DE" dirty="0"/>
           </a:p>
@@ -3206,7 +3292,7 @@
             <a:fld id="{4232C972-70D1-4B70-8EE5-7BBCC119397C}" type="datetime1">
               <a:rPr lang="de-DE" smtClean="0"/>
               <a:pPr/>
-              <a:t>11.07.2018</a:t>
+              <a:t>12.07.2018</a:t>
             </a:fld>
             <a:endParaRPr lang="de-DE" dirty="0"/>
           </a:p>
@@ -3665,7 +3751,7 @@
             <a:fld id="{1C4366C3-693F-490B-A84F-9FC931FD04DF}" type="datetime1">
               <a:rPr lang="de-DE" smtClean="0"/>
               <a:pPr/>
-              <a:t>11.07.2018</a:t>
+              <a:t>12.07.2018</a:t>
             </a:fld>
             <a:endParaRPr lang="de-DE" dirty="0"/>
           </a:p>
@@ -3810,7 +3896,7 @@
             <a:fld id="{27A31B2A-AB3A-4637-AC48-38428E02F02D}" type="datetime1">
               <a:rPr lang="de-DE" smtClean="0"/>
               <a:pPr/>
-              <a:t>11.07.2018</a:t>
+              <a:t>12.07.2018</a:t>
             </a:fld>
             <a:endParaRPr lang="de-DE" dirty="0"/>
           </a:p>
@@ -3945,7 +4031,7 @@
             <a:fld id="{24BC3A19-0FB1-49CB-8436-DF311B24FC75}" type="datetime1">
               <a:rPr lang="de-DE" smtClean="0"/>
               <a:pPr/>
-              <a:t>11.07.2018</a:t>
+              <a:t>12.07.2018</a:t>
             </a:fld>
             <a:endParaRPr lang="de-DE" dirty="0"/>
           </a:p>
@@ -4255,7 +4341,7 @@
             <a:fld id="{C8F9FAA6-5575-4D21-B925-B40C97EC2811}" type="datetime1">
               <a:rPr lang="de-DE" smtClean="0"/>
               <a:pPr/>
-              <a:t>11.07.2018</a:t>
+              <a:t>12.07.2018</a:t>
             </a:fld>
             <a:endParaRPr lang="de-DE" dirty="0"/>
           </a:p>
@@ -4769,7 +4855,7 @@
             <a:fld id="{6704429E-A966-41CF-88B9-6DE8F3671E8E}" type="datetime1">
               <a:rPr lang="de-DE" smtClean="0"/>
               <a:pPr/>
-              <a:t>11.07.2018</a:t>
+              <a:t>12.07.2018</a:t>
             </a:fld>
             <a:endParaRPr lang="de-DE" dirty="0"/>
           </a:p>
@@ -5378,7 +5464,7 @@
         </p:nvSpPr>
         <p:spPr>
           <a:xfrm>
-            <a:off x="3702362" y="233723"/>
+            <a:off x="3702361" y="188640"/>
             <a:ext cx="4784100" cy="827956"/>
           </a:xfrm>
         </p:spPr>
@@ -5388,9 +5474,10 @@
           <a:p>
             <a:pPr rtl="0"/>
             <a:r>
-              <a:rPr lang="de-DE" dirty="0"/>
-              <a:t>Probleme</a:t>
-            </a:r>
+              <a:rPr lang="sq-AL" dirty="0"/>
+              <a:t>Lessons learned</a:t>
+            </a:r>
+            <a:endParaRPr lang="de-DE" dirty="0"/>
           </a:p>
         </p:txBody>
       </p:sp>
@@ -5406,20 +5493,72 @@
         </p:nvSpPr>
         <p:spPr>
           <a:xfrm>
-            <a:off x="693812" y="1412776"/>
-            <a:ext cx="11017224" cy="4536504"/>
+            <a:off x="1053852" y="1772816"/>
+            <a:ext cx="9361040" cy="3960440"/>
           </a:xfrm>
         </p:spPr>
         <p:txBody>
           <a:bodyPr rtlCol="0">
-            <a:normAutofit lnSpcReduction="10000"/>
+            <a:normAutofit/>
           </a:bodyPr>
           <a:lstStyle/>
           <a:p>
-            <a:pPr rtl="0"/>
             <a:r>
               <a:rPr lang="de-DE" dirty="0"/>
-              <a:t>Version (Kein Limit für Historie  - </a:t>
+              <a:t>Da </a:t>
+            </a:r>
+            <a:r>
+              <a:rPr lang="de-DE" dirty="0" err="1"/>
+              <a:t>React</a:t>
+            </a:r>
+            <a:r>
+              <a:rPr lang="de-DE" dirty="0"/>
+              <a:t> nicht bidirektional ist, ist ein anderes Framework wie zum Beispiel </a:t>
+            </a:r>
+            <a:r>
+              <a:rPr lang="de-DE" dirty="0" err="1"/>
+              <a:t>vuejs</a:t>
+            </a:r>
+            <a:r>
+              <a:rPr lang="de-DE" dirty="0"/>
+              <a:t> deutlich kompatibler. </a:t>
+            </a:r>
+          </a:p>
+          <a:p>
+            <a:r>
+              <a:rPr lang="de-DE" dirty="0" err="1"/>
+              <a:t>React</a:t>
+            </a:r>
+            <a:r>
+              <a:rPr lang="de-DE" dirty="0"/>
+              <a:t> stellt in der Verbindung mit </a:t>
+            </a:r>
+            <a:r>
+              <a:rPr lang="de-DE" dirty="0" err="1"/>
+              <a:t>pouchdb</a:t>
+            </a:r>
+            <a:r>
+              <a:rPr lang="de-DE" dirty="0"/>
+              <a:t> keine gute Kombination dar.</a:t>
+            </a:r>
+          </a:p>
+          <a:p>
+            <a:pPr rtl="0"/>
+            <a:endParaRPr lang="de-DE" dirty="0"/>
+          </a:p>
+          <a:p>
+            <a:pPr rtl="0"/>
+            <a:r>
+              <a:rPr lang="de-DE" dirty="0"/>
+              <a:t>Zu viele Datensätze für die Nutzung für </a:t>
+            </a:r>
+            <a:r>
+              <a:rPr lang="de-DE" dirty="0" err="1"/>
+              <a:t>pouchdb</a:t>
+            </a:r>
+            <a:r>
+              <a:rPr lang="de-DE" dirty="0"/>
+              <a:t> (Historie erzeugt Datenmüll - </a:t>
             </a:r>
             <a:r>
               <a:rPr lang="de-DE" dirty="0" err="1"/>
@@ -5427,7 +5566,7 @@
             </a:r>
             <a:r>
               <a:rPr lang="de-DE" dirty="0"/>
-              <a:t> - einstellbar) </a:t>
+              <a:t>) </a:t>
             </a:r>
           </a:p>
           <a:p>
@@ -5438,83 +5577,46 @@
             <a:pPr rtl="0"/>
             <a:r>
               <a:rPr lang="de-DE" dirty="0"/>
-              <a:t>Auf dem Server läuft </a:t>
-            </a:r>
-          </a:p>
-          <a:p>
-            <a:pPr rtl="0"/>
+              <a:t>Google Maps API funktioniert nicht offline</a:t>
+            </a:r>
+          </a:p>
+          <a:p>
+            <a:pPr rtl="0"/>
+            <a:endParaRPr lang="de-DE" dirty="0"/>
+          </a:p>
+          <a:p>
             <a:r>
               <a:rPr lang="de-DE" dirty="0"/>
-              <a:t>Ubuntu Version Server : 16.04LTS,</a:t>
-            </a:r>
-          </a:p>
-          <a:p>
-            <a:pPr rtl="0"/>
+              <a:t>Es ist nur eine </a:t>
+            </a:r>
+            <a:r>
+              <a:rPr lang="de-DE" dirty="0" err="1"/>
+              <a:t>LuftdatenAPI</a:t>
+            </a:r>
             <a:r>
               <a:rPr lang="de-DE" dirty="0"/>
-              <a:t>daher ist nur eine Version von der </a:t>
-            </a:r>
-            <a:r>
-              <a:rPr lang="de-DE" dirty="0" err="1"/>
-              <a:t>CouchDB</a:t>
-            </a:r>
-            <a:r>
-              <a:rPr lang="de-DE" dirty="0"/>
-              <a:t> mit Version 1.6 möglich.</a:t>
-            </a:r>
-          </a:p>
-          <a:p>
-            <a:pPr rtl="0"/>
-            <a:r>
-              <a:rPr lang="de-DE" dirty="0"/>
-              <a:t>Die Limitierung wird in dieser Version nicht unterstützt, sodass alle </a:t>
-            </a:r>
-            <a:r>
-              <a:rPr lang="de-DE" dirty="0" err="1"/>
-              <a:t>revisions</a:t>
-            </a:r>
-            <a:r>
-              <a:rPr lang="de-DE" dirty="0"/>
-              <a:t> immer mitgeladen werden müssen.</a:t>
-            </a:r>
-          </a:p>
-          <a:p>
-            <a:pPr rtl="0"/>
-            <a:endParaRPr lang="de-DE" dirty="0"/>
-          </a:p>
-          <a:p>
-            <a:pPr rtl="0"/>
-            <a:endParaRPr lang="de-DE" dirty="0"/>
-          </a:p>
-          <a:p>
-            <a:pPr rtl="0"/>
-            <a:r>
-              <a:rPr lang="de-DE" dirty="0"/>
-              <a:t>Synchronisation schwierig bei mehr als 5 Datenbanken. (Relationen schwer oder kaum darstellbar)</a:t>
-            </a:r>
-          </a:p>
-          <a:p>
-            <a:pPr rtl="0"/>
-            <a:endParaRPr lang="de-DE" dirty="0"/>
-          </a:p>
-          <a:p>
-            <a:pPr rtl="0"/>
-            <a:r>
-              <a:rPr lang="de-DE" dirty="0" err="1"/>
-              <a:t>PouchDB</a:t>
-            </a:r>
-            <a:r>
-              <a:rPr lang="de-DE" dirty="0"/>
-              <a:t> funktioniert nicht über HTTPS und daher funktioniert der </a:t>
-            </a:r>
-            <a:r>
-              <a:rPr lang="de-DE" dirty="0" err="1"/>
-              <a:t>ServiceWorker</a:t>
-            </a:r>
-            <a:r>
-              <a:rPr lang="de-DE" dirty="0"/>
-              <a:t> auch nicht.</a:t>
-            </a:r>
+              <a:t> verfügbar. (Luftdaten.info)</a:t>
+            </a:r>
+          </a:p>
+          <a:p>
+            <a:pPr rtl="0"/>
+            <a:endParaRPr lang="de-DE" dirty="0"/>
+          </a:p>
+          <a:p>
+            <a:pPr rtl="0"/>
+            <a:endParaRPr lang="de-DE" dirty="0"/>
+          </a:p>
+          <a:p>
+            <a:pPr rtl="0"/>
+            <a:endParaRPr lang="de-DE" dirty="0"/>
+          </a:p>
+          <a:p>
+            <a:pPr rtl="0"/>
+            <a:endParaRPr lang="de-DE" dirty="0"/>
+          </a:p>
+          <a:p>
+            <a:pPr rtl="0"/>
+            <a:endParaRPr lang="de-DE" dirty="0"/>
           </a:p>
           <a:p>
             <a:pPr rtl="0"/>
@@ -5529,7 +5631,7 @@
     </p:spTree>
     <p:extLst>
       <p:ext uri="{BB962C8B-B14F-4D97-AF65-F5344CB8AC3E}">
-        <p14:creationId xmlns:p14="http://schemas.microsoft.com/office/powerpoint/2010/main" val="2974608306"/>
+        <p14:creationId xmlns:p14="http://schemas.microsoft.com/office/powerpoint/2010/main" val="2201669594"/>
       </p:ext>
     </p:extLst>
   </p:cSld>
@@ -5591,6 +5693,208 @@
             <a:pPr rtl="0"/>
             <a:r>
               <a:rPr lang="de-DE" dirty="0"/>
+              <a:t>Probleme</a:t>
+            </a:r>
+          </a:p>
+        </p:txBody>
+      </p:sp>
+      <p:sp>
+        <p:nvSpPr>
+          <p:cNvPr id="3" name="Textplatzhalter 2"/>
+          <p:cNvSpPr>
+            <a:spLocks noGrp="1"/>
+          </p:cNvSpPr>
+          <p:nvPr>
+            <p:ph type="body" idx="1"/>
+          </p:nvPr>
+        </p:nvSpPr>
+        <p:spPr>
+          <a:xfrm>
+            <a:off x="693812" y="1412776"/>
+            <a:ext cx="11017224" cy="4536504"/>
+          </a:xfrm>
+        </p:spPr>
+        <p:txBody>
+          <a:bodyPr rtlCol="0">
+            <a:normAutofit lnSpcReduction="10000"/>
+          </a:bodyPr>
+          <a:lstStyle/>
+          <a:p>
+            <a:pPr rtl="0"/>
+            <a:r>
+              <a:rPr lang="de-DE" dirty="0"/>
+              <a:t>Version (Kein Limit für Historie  - </a:t>
+            </a:r>
+            <a:r>
+              <a:rPr lang="de-DE" dirty="0" err="1"/>
+              <a:t>revisions</a:t>
+            </a:r>
+            <a:r>
+              <a:rPr lang="de-DE" dirty="0"/>
+              <a:t> - einstellbar) </a:t>
+            </a:r>
+          </a:p>
+          <a:p>
+            <a:pPr rtl="0"/>
+            <a:endParaRPr lang="de-DE" dirty="0"/>
+          </a:p>
+          <a:p>
+            <a:pPr rtl="0"/>
+            <a:r>
+              <a:rPr lang="de-DE" dirty="0"/>
+              <a:t>Auf dem Server läuft </a:t>
+            </a:r>
+          </a:p>
+          <a:p>
+            <a:pPr rtl="0"/>
+            <a:r>
+              <a:rPr lang="de-DE" dirty="0"/>
+              <a:t>Ubuntu Version Server : 16.04LTS,</a:t>
+            </a:r>
+          </a:p>
+          <a:p>
+            <a:pPr rtl="0"/>
+            <a:r>
+              <a:rPr lang="de-DE" dirty="0"/>
+              <a:t>daher ist nur eine Version von der </a:t>
+            </a:r>
+            <a:r>
+              <a:rPr lang="de-DE" dirty="0" err="1"/>
+              <a:t>CouchDB</a:t>
+            </a:r>
+            <a:r>
+              <a:rPr lang="de-DE" dirty="0"/>
+              <a:t> mit Version 1.6 möglich.</a:t>
+            </a:r>
+          </a:p>
+          <a:p>
+            <a:pPr rtl="0"/>
+            <a:r>
+              <a:rPr lang="de-DE" dirty="0"/>
+              <a:t>Die Limitierung wird in dieser Version nicht unterstützt, sodass alle </a:t>
+            </a:r>
+            <a:r>
+              <a:rPr lang="de-DE" dirty="0" err="1"/>
+              <a:t>revisions</a:t>
+            </a:r>
+            <a:r>
+              <a:rPr lang="de-DE" dirty="0"/>
+              <a:t> immer mitgeladen werden müssen.</a:t>
+            </a:r>
+          </a:p>
+          <a:p>
+            <a:pPr rtl="0"/>
+            <a:endParaRPr lang="de-DE" dirty="0"/>
+          </a:p>
+          <a:p>
+            <a:pPr rtl="0"/>
+            <a:endParaRPr lang="de-DE" dirty="0"/>
+          </a:p>
+          <a:p>
+            <a:pPr rtl="0"/>
+            <a:r>
+              <a:rPr lang="de-DE" dirty="0"/>
+              <a:t>Synchronisation schwierig bei mehr als 5 Datenbanken. (Relationen schwer oder kaum darstellbar)</a:t>
+            </a:r>
+          </a:p>
+          <a:p>
+            <a:pPr rtl="0"/>
+            <a:endParaRPr lang="de-DE" dirty="0"/>
+          </a:p>
+          <a:p>
+            <a:pPr rtl="0"/>
+            <a:r>
+              <a:rPr lang="de-DE" dirty="0" err="1"/>
+              <a:t>PouchDB</a:t>
+            </a:r>
+            <a:r>
+              <a:rPr lang="de-DE" dirty="0"/>
+              <a:t> funktioniert nicht über HTTPS und daher funktioniert der </a:t>
+            </a:r>
+            <a:r>
+              <a:rPr lang="de-DE" dirty="0" err="1"/>
+              <a:t>ServiceWorker</a:t>
+            </a:r>
+            <a:r>
+              <a:rPr lang="de-DE" dirty="0"/>
+              <a:t> auch nicht.</a:t>
+            </a:r>
+          </a:p>
+          <a:p>
+            <a:pPr rtl="0"/>
+            <a:endParaRPr lang="de-DE" dirty="0"/>
+          </a:p>
+          <a:p>
+            <a:pPr rtl="0"/>
+            <a:endParaRPr lang="de-DE" dirty="0"/>
+          </a:p>
+        </p:txBody>
+      </p:sp>
+    </p:spTree>
+    <p:extLst>
+      <p:ext uri="{BB962C8B-B14F-4D97-AF65-F5344CB8AC3E}">
+        <p14:creationId xmlns:p14="http://schemas.microsoft.com/office/powerpoint/2010/main" val="2974608306"/>
+      </p:ext>
+    </p:extLst>
+  </p:cSld>
+  <p:clrMapOvr>
+    <a:masterClrMapping/>
+  </p:clrMapOvr>
+  <mc:AlternateContent xmlns:mc="http://schemas.openxmlformats.org/markup-compatibility/2006" xmlns:p14="http://schemas.microsoft.com/office/powerpoint/2010/main">
+    <mc:Choice Requires="p14">
+      <p:transition spd="med" p14:dur="700">
+        <p:fade/>
+      </p:transition>
+    </mc:Choice>
+    <mc:Fallback xmlns="">
+      <p:transition spd="med">
+        <p:fade/>
+      </p:transition>
+    </mc:Fallback>
+  </mc:AlternateContent>
+</p:sld>
+</file>
+
+<file path=ppt/slides/slide12.xml><?xml version="1.0" encoding="utf-8"?>
+<p:sld xmlns:a="http://schemas.openxmlformats.org/drawingml/2006/main" xmlns:r="http://schemas.openxmlformats.org/officeDocument/2006/relationships" xmlns:p="http://schemas.openxmlformats.org/presentationml/2006/main">
+  <p:cSld>
+    <p:spTree>
+      <p:nvGrpSpPr>
+        <p:cNvPr id="1" name=""/>
+        <p:cNvGrpSpPr/>
+        <p:nvPr/>
+      </p:nvGrpSpPr>
+      <p:grpSpPr>
+        <a:xfrm>
+          <a:off x="0" y="0"/>
+          <a:ext cx="0" cy="0"/>
+          <a:chOff x="0" y="0"/>
+          <a:chExt cx="0" cy="0"/>
+        </a:xfrm>
+      </p:grpSpPr>
+      <p:sp>
+        <p:nvSpPr>
+          <p:cNvPr id="2" name="Titel 1"/>
+          <p:cNvSpPr>
+            <a:spLocks noGrp="1"/>
+          </p:cNvSpPr>
+          <p:nvPr>
+            <p:ph type="title"/>
+          </p:nvPr>
+        </p:nvSpPr>
+        <p:spPr>
+          <a:xfrm>
+            <a:off x="3702362" y="233723"/>
+            <a:ext cx="4784100" cy="827956"/>
+          </a:xfrm>
+        </p:spPr>
+        <p:txBody>
+          <a:bodyPr rtlCol="0"/>
+          <a:lstStyle/>
+          <a:p>
+            <a:pPr rtl="0"/>
+            <a:r>
+              <a:rPr lang="de-DE" dirty="0"/>
               <a:t>Ausblick</a:t>
             </a:r>
           </a:p>
@@ -5716,7 +6020,7 @@
 </p:sld>
 </file>
 
-<file path=ppt/slides/slide12.xml><?xml version="1.0" encoding="utf-8"?>
+<file path=ppt/slides/slide13.xml><?xml version="1.0" encoding="utf-8"?>
 <p:sld xmlns:a="http://schemas.openxmlformats.org/drawingml/2006/main" xmlns:r="http://schemas.openxmlformats.org/officeDocument/2006/relationships" xmlns:p="http://schemas.openxmlformats.org/presentationml/2006/main">
   <p:cSld>
     <p:spTree>
@@ -7052,8 +7356,8 @@
         </p:nvSpPr>
         <p:spPr>
           <a:xfrm>
-            <a:off x="3086609" y="116632"/>
-            <a:ext cx="4872607" cy="893811"/>
+            <a:off x="1293813" y="188640"/>
+            <a:ext cx="8458201" cy="935359"/>
           </a:xfrm>
         </p:spPr>
         <p:txBody>
@@ -7062,16 +7366,25 @@
           <a:p>
             <a:pPr rtl="0"/>
             <a:r>
-              <a:rPr lang="sq-AL" dirty="0"/>
-              <a:t>Softwaredemo</a:t>
-            </a:r>
-            <a:endParaRPr lang="de-DE" dirty="0"/>
-          </a:p>
-        </p:txBody>
-      </p:sp>
-      <p:sp>
-        <p:nvSpPr>
-          <p:cNvPr id="3" name="Textplatzhalter 2"/>
+              <a:rPr lang="de-DE" dirty="0">
+                <a:solidFill>
+                  <a:schemeClr val="tx2"/>
+                </a:solidFill>
+              </a:rPr>
+              <a:t>ES6 					PouchDB</a:t>
+            </a:r>
+          </a:p>
+        </p:txBody>
+      </p:sp>
+      <p:sp>
+        <p:nvSpPr>
+          <p:cNvPr id="4" name="Textplatzhalter 3">
+            <a:extLst>
+              <a:ext uri="{FF2B5EF4-FFF2-40B4-BE49-F238E27FC236}">
+                <a16:creationId xmlns:a16="http://schemas.microsoft.com/office/drawing/2014/main" id="{244CBB69-6EA4-4DB7-BFAB-B03343043618}"/>
+              </a:ext>
+            </a:extLst>
+          </p:cNvPr>
           <p:cNvSpPr>
             <a:spLocks noGrp="1"/>
           </p:cNvSpPr>
@@ -7081,145 +7394,319 @@
         </p:nvSpPr>
         <p:spPr>
           <a:xfrm>
-            <a:off x="477788" y="1052736"/>
-            <a:ext cx="11089232" cy="5400600"/>
+            <a:off x="1413892" y="1700808"/>
+            <a:ext cx="3528392" cy="4104456"/>
           </a:xfrm>
         </p:spPr>
         <p:txBody>
-          <a:bodyPr rtlCol="0">
+          <a:bodyPr>
             <a:normAutofit/>
           </a:bodyPr>
           <a:lstStyle/>
           <a:p>
-            <a:pPr marL="457200" indent="-457200" rtl="0">
-              <a:buAutoNum type="arabicPeriod"/>
+            <a:pPr marL="342900" indent="-342900">
+              <a:buFont typeface="Arial" panose="020B0604020202020204" pitchFamily="34" charset="0"/>
+              <a:buChar char="•"/>
             </a:pPr>
             <a:r>
-              <a:rPr lang="de-DE" b="1" dirty="0"/>
-              <a:t>Anwendungsfall</a:t>
-            </a:r>
-          </a:p>
-          <a:p>
-            <a:pPr rtl="0"/>
-            <a:endParaRPr lang="de-DE" dirty="0"/>
-          </a:p>
-          <a:p>
-            <a:pPr rtl="0"/>
-            <a:r>
-              <a:rPr lang="sq-AL" dirty="0"/>
-              <a:t>Ablauf</a:t>
-            </a:r>
-            <a:r>
               <a:rPr lang="de-DE" dirty="0"/>
-              <a:t> und Einrichtung eines neuen Messsystems:</a:t>
-            </a:r>
-            <a:endParaRPr lang="sq-AL" dirty="0"/>
-          </a:p>
-          <a:p>
+              <a:t>Klassen</a:t>
+            </a:r>
+          </a:p>
+          <a:p>
+            <a:pPr marL="342900" indent="-342900">
+              <a:buFont typeface="Arial" panose="020B0604020202020204" pitchFamily="34" charset="0"/>
+              <a:buChar char="•"/>
+            </a:pPr>
             <a:r>
               <a:rPr lang="de-DE" dirty="0"/>
-              <a:t>Einloggen</a:t>
-            </a:r>
-          </a:p>
-          <a:p>
-            <a:pPr rtl="0"/>
+              <a:t>Konstanten</a:t>
+            </a:r>
+          </a:p>
+          <a:p>
+            <a:pPr marL="342900" indent="-342900">
+              <a:buFont typeface="Arial" panose="020B0604020202020204" pitchFamily="34" charset="0"/>
+              <a:buChar char="•"/>
+            </a:pPr>
             <a:r>
               <a:rPr lang="de-DE" dirty="0"/>
-              <a:t>Neuen Sensor einrichten</a:t>
-            </a:r>
-            <a:endParaRPr lang="sq-AL" dirty="0"/>
-          </a:p>
-          <a:p>
-            <a:pPr rtl="0"/>
-            <a:r>
-              <a:rPr lang="sq-AL" dirty="0"/>
-              <a:t>Raspberry Pi Initi</a:t>
-            </a:r>
+              <a:t>Arrow-</a:t>
+            </a:r>
+            <a:r>
+              <a:rPr lang="de-DE" dirty="0" err="1"/>
+              <a:t>Functions</a:t>
+            </a:r>
+            <a:endParaRPr lang="de-DE" dirty="0"/>
+          </a:p>
+          <a:p>
+            <a:pPr marL="342900" indent="-342900">
+              <a:buFont typeface="Arial" panose="020B0604020202020204" pitchFamily="34" charset="0"/>
+              <a:buChar char="•"/>
+            </a:pPr>
             <a:r>
               <a:rPr lang="de-DE" dirty="0"/>
-              <a:t>a</a:t>
-            </a:r>
-            <a:r>
-              <a:rPr lang="sq-AL" dirty="0"/>
-              <a:t>l</a:t>
-            </a:r>
+              <a:t>Promises</a:t>
+            </a:r>
+          </a:p>
+          <a:p>
+            <a:endParaRPr lang="de-DE" dirty="0"/>
+          </a:p>
+          <a:p>
+            <a:endParaRPr lang="de-DE" dirty="0"/>
+          </a:p>
+        </p:txBody>
+      </p:sp>
+      <p:sp>
+        <p:nvSpPr>
+          <p:cNvPr id="5" name="Textplatzhalter 3">
+            <a:extLst>
+              <a:ext uri="{FF2B5EF4-FFF2-40B4-BE49-F238E27FC236}">
+                <a16:creationId xmlns:a16="http://schemas.microsoft.com/office/drawing/2014/main" id="{58F6A3E3-3A7C-4D72-946D-F7C740263067}"/>
+              </a:ext>
+            </a:extLst>
+          </p:cNvPr>
+          <p:cNvSpPr txBox="1">
+            <a:spLocks/>
+          </p:cNvSpPr>
+          <p:nvPr/>
+        </p:nvSpPr>
+        <p:spPr>
+          <a:xfrm>
+            <a:off x="6742484" y="1700808"/>
+            <a:ext cx="4320480" cy="4104456"/>
+          </a:xfrm>
+          <a:prstGeom prst="rect">
+            <a:avLst/>
+          </a:prstGeom>
+        </p:spPr>
+        <p:txBody>
+          <a:bodyPr vert="horz" lIns="91440" tIns="45720" rIns="91440" bIns="45720" rtlCol="0" anchor="t">
+            <a:normAutofit/>
+          </a:bodyPr>
+          <a:lstStyle>
+            <a:lvl1pPr marL="0" indent="0" algn="l" defTabSz="914400" rtl="0" eaLnBrk="1" latinLnBrk="0" hangingPunct="1">
+              <a:lnSpc>
+                <a:spcPct val="90000"/>
+              </a:lnSpc>
+              <a:spcBef>
+                <a:spcPts val="0"/>
+              </a:spcBef>
+              <a:buFont typeface="Arial" pitchFamily="34" charset="0"/>
+              <a:buNone/>
+              <a:defRPr sz="2400" kern="1200">
+                <a:solidFill>
+                  <a:schemeClr val="tx1"/>
+                </a:solidFill>
+                <a:latin typeface="+mn-lt"/>
+                <a:ea typeface="+mn-ea"/>
+                <a:cs typeface="+mn-cs"/>
+              </a:defRPr>
+            </a:lvl1pPr>
+            <a:lvl2pPr marL="457200" indent="0" algn="l" defTabSz="914400" rtl="0" eaLnBrk="1" latinLnBrk="0" hangingPunct="1">
+              <a:lnSpc>
+                <a:spcPct val="90000"/>
+              </a:lnSpc>
+              <a:spcBef>
+                <a:spcPts val="600"/>
+              </a:spcBef>
+              <a:buFont typeface="Euphemia" pitchFamily="34" charset="0"/>
+              <a:buNone/>
+              <a:defRPr sz="1800" kern="1200">
+                <a:solidFill>
+                  <a:schemeClr val="tx1">
+                    <a:tint val="75000"/>
+                  </a:schemeClr>
+                </a:solidFill>
+                <a:latin typeface="+mn-lt"/>
+                <a:ea typeface="+mn-ea"/>
+                <a:cs typeface="+mn-cs"/>
+              </a:defRPr>
+            </a:lvl2pPr>
+            <a:lvl3pPr marL="914400" indent="0" algn="l" defTabSz="914400" rtl="0" eaLnBrk="1" latinLnBrk="0" hangingPunct="1">
+              <a:lnSpc>
+                <a:spcPct val="90000"/>
+              </a:lnSpc>
+              <a:spcBef>
+                <a:spcPts val="600"/>
+              </a:spcBef>
+              <a:buFont typeface="Euphemia" pitchFamily="34" charset="0"/>
+              <a:buNone/>
+              <a:defRPr sz="1600" kern="1200">
+                <a:solidFill>
+                  <a:schemeClr val="tx1">
+                    <a:tint val="75000"/>
+                  </a:schemeClr>
+                </a:solidFill>
+                <a:latin typeface="+mn-lt"/>
+                <a:ea typeface="+mn-ea"/>
+                <a:cs typeface="+mn-cs"/>
+              </a:defRPr>
+            </a:lvl3pPr>
+            <a:lvl4pPr marL="1371600" indent="0" algn="l" defTabSz="914400" rtl="0" eaLnBrk="1" latinLnBrk="0" hangingPunct="1">
+              <a:lnSpc>
+                <a:spcPct val="90000"/>
+              </a:lnSpc>
+              <a:spcBef>
+                <a:spcPts val="600"/>
+              </a:spcBef>
+              <a:buFont typeface="Euphemia" pitchFamily="34" charset="0"/>
+              <a:buNone/>
+              <a:defRPr sz="1400" kern="1200">
+                <a:solidFill>
+                  <a:schemeClr val="tx1">
+                    <a:tint val="75000"/>
+                  </a:schemeClr>
+                </a:solidFill>
+                <a:latin typeface="+mn-lt"/>
+                <a:ea typeface="+mn-ea"/>
+                <a:cs typeface="+mn-cs"/>
+              </a:defRPr>
+            </a:lvl4pPr>
+            <a:lvl5pPr marL="1828800" indent="0" algn="l" defTabSz="914400" rtl="0" eaLnBrk="1" latinLnBrk="0" hangingPunct="1">
+              <a:lnSpc>
+                <a:spcPct val="90000"/>
+              </a:lnSpc>
+              <a:spcBef>
+                <a:spcPts val="600"/>
+              </a:spcBef>
+              <a:buFont typeface="Euphemia" pitchFamily="34" charset="0"/>
+              <a:buNone/>
+              <a:defRPr sz="1400" kern="1200">
+                <a:solidFill>
+                  <a:schemeClr val="tx1">
+                    <a:tint val="75000"/>
+                  </a:schemeClr>
+                </a:solidFill>
+                <a:latin typeface="+mn-lt"/>
+                <a:ea typeface="+mn-ea"/>
+                <a:cs typeface="+mn-cs"/>
+              </a:defRPr>
+            </a:lvl5pPr>
+            <a:lvl6pPr marL="2286000" indent="0" algn="l" defTabSz="914400" rtl="0" eaLnBrk="1" latinLnBrk="0" hangingPunct="1">
+              <a:spcBef>
+                <a:spcPts val="600"/>
+              </a:spcBef>
+              <a:buFont typeface="Euphemia" pitchFamily="34" charset="0"/>
+              <a:buNone/>
+              <a:defRPr sz="1400" kern="1200">
+                <a:solidFill>
+                  <a:schemeClr val="tx1">
+                    <a:tint val="75000"/>
+                  </a:schemeClr>
+                </a:solidFill>
+                <a:latin typeface="+mn-lt"/>
+                <a:ea typeface="+mn-ea"/>
+                <a:cs typeface="+mn-cs"/>
+              </a:defRPr>
+            </a:lvl6pPr>
+            <a:lvl7pPr marL="2743200" indent="0" algn="l" defTabSz="914400" rtl="0" eaLnBrk="1" latinLnBrk="0" hangingPunct="1">
+              <a:spcBef>
+                <a:spcPts val="600"/>
+              </a:spcBef>
+              <a:buFont typeface="Euphemia" pitchFamily="34" charset="0"/>
+              <a:buNone/>
+              <a:defRPr sz="1400" kern="1200">
+                <a:solidFill>
+                  <a:schemeClr val="tx1">
+                    <a:tint val="75000"/>
+                  </a:schemeClr>
+                </a:solidFill>
+                <a:latin typeface="+mn-lt"/>
+                <a:ea typeface="+mn-ea"/>
+                <a:cs typeface="+mn-cs"/>
+              </a:defRPr>
+            </a:lvl7pPr>
+            <a:lvl8pPr marL="3200400" indent="0" algn="l" defTabSz="914400" rtl="0" eaLnBrk="1" latinLnBrk="0" hangingPunct="1">
+              <a:spcBef>
+                <a:spcPts val="600"/>
+              </a:spcBef>
+              <a:buFont typeface="Euphemia" pitchFamily="34" charset="0"/>
+              <a:buNone/>
+              <a:defRPr sz="1400" kern="1200">
+                <a:solidFill>
+                  <a:schemeClr val="tx1">
+                    <a:tint val="75000"/>
+                  </a:schemeClr>
+                </a:solidFill>
+                <a:latin typeface="+mn-lt"/>
+                <a:ea typeface="+mn-ea"/>
+                <a:cs typeface="+mn-cs"/>
+              </a:defRPr>
+            </a:lvl8pPr>
+            <a:lvl9pPr marL="3657600" indent="0" algn="l" defTabSz="914400" rtl="0" eaLnBrk="1" latinLnBrk="0" hangingPunct="1">
+              <a:spcBef>
+                <a:spcPts val="600"/>
+              </a:spcBef>
+              <a:buFont typeface="Euphemia" pitchFamily="34" charset="0"/>
+              <a:buNone/>
+              <a:defRPr sz="1400" kern="1200">
+                <a:solidFill>
+                  <a:schemeClr val="tx1">
+                    <a:tint val="75000"/>
+                  </a:schemeClr>
+                </a:solidFill>
+                <a:latin typeface="+mn-lt"/>
+                <a:ea typeface="+mn-ea"/>
+                <a:cs typeface="+mn-cs"/>
+              </a:defRPr>
+            </a:lvl9pPr>
+          </a:lstStyle>
+          <a:p>
+            <a:pPr marL="342900" indent="-342900">
+              <a:buFont typeface="Arial" panose="020B0604020202020204" pitchFamily="34" charset="0"/>
+              <a:buChar char="•"/>
+            </a:pPr>
             <a:r>
               <a:rPr lang="de-DE" dirty="0"/>
-              <a:t>i</a:t>
-            </a:r>
-            <a:r>
-              <a:rPr lang="sq-AL" dirty="0"/>
-              <a:t>sierung</a:t>
-            </a:r>
-          </a:p>
-          <a:p>
-            <a:pPr rtl="0"/>
-            <a:r>
-              <a:rPr lang="sq-AL" dirty="0"/>
-              <a:t>E</a:t>
+              <a:t>Cross Browser</a:t>
+            </a:r>
+          </a:p>
+          <a:p>
+            <a:pPr marL="342900" indent="-342900">
+              <a:buFont typeface="Arial" panose="020B0604020202020204" pitchFamily="34" charset="0"/>
+              <a:buChar char="•"/>
+            </a:pPr>
+            <a:r>
+              <a:rPr lang="de-DE" dirty="0"/>
+              <a:t>In Browser</a:t>
+            </a:r>
+          </a:p>
+          <a:p>
+            <a:pPr marL="342900" indent="-342900">
+              <a:buFont typeface="Arial" panose="020B0604020202020204" pitchFamily="34" charset="0"/>
+              <a:buChar char="•"/>
+            </a:pPr>
+            <a:r>
+              <a:rPr lang="de-DE" dirty="0"/>
+              <a:t>Lightweight</a:t>
+            </a:r>
+          </a:p>
+          <a:p>
+            <a:pPr marL="342900" indent="-342900">
+              <a:buFont typeface="Arial" panose="020B0604020202020204" pitchFamily="34" charset="0"/>
+              <a:buChar char="•"/>
+            </a:pPr>
+            <a:r>
+              <a:rPr lang="de-DE" dirty="0"/>
+              <a:t>Synchronisation mit </a:t>
             </a:r>
             <a:r>
               <a:rPr lang="de-DE" dirty="0" err="1"/>
-              <a:t>rsteinrichtung</a:t>
-            </a:r>
-            <a:endParaRPr lang="de-DE" dirty="0"/>
-          </a:p>
-          <a:p>
-            <a:pPr rtl="0"/>
-            <a:endParaRPr lang="de-DE" dirty="0"/>
-          </a:p>
-          <a:p>
-            <a:pPr rtl="0"/>
-            <a:r>
-              <a:rPr lang="de-DE" b="1" dirty="0"/>
-              <a:t>2. Anwendungsfall </a:t>
-            </a:r>
-          </a:p>
-          <a:p>
-            <a:pPr rtl="0"/>
-            <a:endParaRPr lang="de-DE" dirty="0"/>
-          </a:p>
-          <a:p>
-            <a:pPr rtl="0"/>
+              <a:t>CouchDB</a:t>
+            </a:r>
+            <a:endParaRPr lang="de-DE" dirty="0"/>
+          </a:p>
+          <a:p>
+            <a:pPr marL="342900" indent="-342900">
+              <a:buFont typeface="Arial" panose="020B0604020202020204" pitchFamily="34" charset="0"/>
+              <a:buChar char="•"/>
+            </a:pPr>
             <a:r>
               <a:rPr lang="de-DE" dirty="0"/>
-              <a:t>Vorhandene Sensordaten ausgewertet anzeigen lassen:</a:t>
-            </a:r>
-          </a:p>
-          <a:p>
-            <a:pPr rtl="0"/>
-            <a:r>
-              <a:rPr lang="de-DE" dirty="0"/>
-              <a:t>API Daten von Luftdateninfo anzeigen lassen</a:t>
-            </a:r>
-          </a:p>
-          <a:p>
-            <a:pPr rtl="0"/>
-            <a:r>
-              <a:rPr lang="de-DE" dirty="0"/>
-              <a:t>Live Update</a:t>
-            </a:r>
-          </a:p>
-          <a:p>
-            <a:pPr rtl="0"/>
-            <a:r>
-              <a:rPr lang="de-DE" dirty="0"/>
-              <a:t>Messwertgrenze einstellen</a:t>
-            </a:r>
-          </a:p>
-          <a:p>
-            <a:pPr rtl="0"/>
-            <a:r>
-              <a:rPr lang="de-DE" dirty="0"/>
-              <a:t>Mitteilung per Email</a:t>
-            </a:r>
-          </a:p>
-          <a:p>
-            <a:pPr rtl="0"/>
-            <a:endParaRPr lang="sq-AL" dirty="0"/>
-          </a:p>
-          <a:p>
-            <a:pPr rtl="0"/>
+              <a:t>Dokumentenorientiert</a:t>
+            </a:r>
+          </a:p>
+          <a:p>
             <a:endParaRPr lang="de-DE" dirty="0"/>
           </a:p>
         </p:txBody>
@@ -7227,7 +7714,7 @@
     </p:spTree>
     <p:extLst>
       <p:ext uri="{BB962C8B-B14F-4D97-AF65-F5344CB8AC3E}">
-        <p14:creationId xmlns:p14="http://schemas.microsoft.com/office/powerpoint/2010/main" val="4091904106"/>
+        <p14:creationId xmlns:p14="http://schemas.microsoft.com/office/powerpoint/2010/main" val="3415742988"/>
       </p:ext>
     </p:extLst>
   </p:cSld>
@@ -7278,118 +7765,171 @@
         </p:nvSpPr>
         <p:spPr>
           <a:xfrm>
-            <a:off x="2584022" y="260648"/>
-            <a:ext cx="6084676" cy="794791"/>
+            <a:off x="3086609" y="116632"/>
+            <a:ext cx="4872607" cy="893811"/>
           </a:xfrm>
         </p:spPr>
         <p:txBody>
+          <a:bodyPr rtlCol="0"/>
+          <a:lstStyle/>
+          <a:p>
+            <a:pPr rtl="0"/>
+            <a:r>
+              <a:rPr lang="sq-AL" dirty="0"/>
+              <a:t>Softwaredemo</a:t>
+            </a:r>
+            <a:endParaRPr lang="de-DE" dirty="0"/>
+          </a:p>
+        </p:txBody>
+      </p:sp>
+      <p:sp>
+        <p:nvSpPr>
+          <p:cNvPr id="3" name="Textplatzhalter 2"/>
+          <p:cNvSpPr>
+            <a:spLocks noGrp="1"/>
+          </p:cNvSpPr>
+          <p:nvPr>
+            <p:ph type="body" idx="1"/>
+          </p:nvPr>
+        </p:nvSpPr>
+        <p:spPr>
+          <a:xfrm>
+            <a:off x="477788" y="1052736"/>
+            <a:ext cx="11089232" cy="5400600"/>
+          </a:xfrm>
+        </p:spPr>
+        <p:txBody>
           <a:bodyPr rtlCol="0">
-            <a:normAutofit fontScale="90000"/>
+            <a:normAutofit/>
           </a:bodyPr>
           <a:lstStyle/>
           <a:p>
+            <a:pPr marL="457200" indent="-457200" rtl="0">
+              <a:buAutoNum type="arabicPeriod"/>
+            </a:pPr>
+            <a:r>
+              <a:rPr lang="de-DE" b="1" dirty="0"/>
+              <a:t>Anwendungsfall</a:t>
+            </a:r>
+          </a:p>
+          <a:p>
+            <a:pPr rtl="0"/>
+            <a:endParaRPr lang="de-DE" dirty="0"/>
+          </a:p>
+          <a:p>
             <a:pPr rtl="0"/>
             <a:r>
               <a:rPr lang="sq-AL" dirty="0"/>
-              <a:t>Sourcecode</a:t>
+              <a:t>Ablauf</a:t>
             </a:r>
             <a:r>
               <a:rPr lang="de-DE" dirty="0"/>
-              <a:t> und Tests</a:t>
-            </a:r>
-          </a:p>
-        </p:txBody>
-      </p:sp>
-      <p:sp>
-        <p:nvSpPr>
-          <p:cNvPr id="3" name="Textplatzhalter 2"/>
-          <p:cNvSpPr>
-            <a:spLocks noGrp="1"/>
-          </p:cNvSpPr>
-          <p:nvPr>
-            <p:ph type="body" idx="1"/>
-          </p:nvPr>
-        </p:nvSpPr>
-        <p:spPr>
-          <a:xfrm>
-            <a:off x="3664142" y="1628800"/>
-            <a:ext cx="3924436" cy="4320480"/>
-          </a:xfrm>
-        </p:spPr>
-        <p:txBody>
-          <a:bodyPr rtlCol="0"/>
-          <a:lstStyle/>
-          <a:p>
-            <a:pPr rtl="0"/>
-            <a:r>
-              <a:rPr lang="de-DE" sz="2800" dirty="0">
-                <a:solidFill>
-                  <a:schemeClr val="tx2"/>
-                </a:solidFill>
-                <a:hlinkClick r:id="rId3"/>
-              </a:rPr>
-              <a:t>Raspberry Pi</a:t>
-            </a:r>
-            <a:endParaRPr lang="de-DE" sz="2800" dirty="0">
-              <a:solidFill>
-                <a:schemeClr val="tx2"/>
-              </a:solidFill>
-            </a:endParaRPr>
-          </a:p>
-          <a:p>
-            <a:pPr rtl="0"/>
-            <a:endParaRPr lang="de-DE" sz="2800" dirty="0"/>
-          </a:p>
-          <a:p>
-            <a:pPr rtl="0"/>
-            <a:endParaRPr lang="de-DE" sz="2800" dirty="0"/>
-          </a:p>
-          <a:p>
-            <a:r>
-              <a:rPr lang="de-DE" sz="2800" dirty="0">
-                <a:hlinkClick r:id="rId4"/>
-              </a:rPr>
-              <a:t>Server/</a:t>
-            </a:r>
-            <a:r>
-              <a:rPr lang="de-DE" sz="2800" dirty="0" err="1">
-                <a:hlinkClick r:id="rId4"/>
-              </a:rPr>
-              <a:t>CouchDB</a:t>
-            </a:r>
-            <a:endParaRPr lang="de-DE" sz="2800" dirty="0"/>
-          </a:p>
-          <a:p>
-            <a:endParaRPr lang="de-DE" sz="2800" dirty="0"/>
-          </a:p>
-          <a:p>
-            <a:pPr rtl="0"/>
-            <a:endParaRPr lang="de-DE" sz="2800" dirty="0"/>
-          </a:p>
-          <a:p>
-            <a:r>
-              <a:rPr lang="de-DE" sz="2800" dirty="0">
-                <a:hlinkClick r:id="rId5"/>
-              </a:rPr>
-              <a:t>PouchDB</a:t>
-            </a:r>
-            <a:endParaRPr lang="de-DE" sz="2800" dirty="0"/>
-          </a:p>
-          <a:p>
-            <a:endParaRPr lang="de-DE" sz="2800" dirty="0"/>
-          </a:p>
-          <a:p>
-            <a:pPr rtl="0"/>
-            <a:endParaRPr lang="de-DE" sz="2800" dirty="0"/>
-          </a:p>
-          <a:p>
-            <a:r>
-              <a:rPr lang="de-DE" sz="2800" dirty="0">
-                <a:hlinkClick r:id="rId6"/>
-              </a:rPr>
-              <a:t>Frontend</a:t>
-            </a:r>
-            <a:endParaRPr lang="de-DE" sz="2800" dirty="0"/>
+              <a:t> und Einrichtung eines neuen Messsystems:</a:t>
+            </a:r>
+            <a:endParaRPr lang="sq-AL" dirty="0"/>
+          </a:p>
+          <a:p>
+            <a:r>
+              <a:rPr lang="de-DE" dirty="0"/>
+              <a:t>Einloggen</a:t>
+            </a:r>
+          </a:p>
+          <a:p>
+            <a:pPr rtl="0"/>
+            <a:r>
+              <a:rPr lang="de-DE" dirty="0"/>
+              <a:t>Neuen Sensor einrichten</a:t>
+            </a:r>
+            <a:endParaRPr lang="sq-AL" dirty="0"/>
+          </a:p>
+          <a:p>
+            <a:pPr rtl="0"/>
+            <a:r>
+              <a:rPr lang="sq-AL" dirty="0"/>
+              <a:t>Raspberry Pi Initi</a:t>
+            </a:r>
+            <a:r>
+              <a:rPr lang="de-DE" dirty="0"/>
+              <a:t>a</a:t>
+            </a:r>
+            <a:r>
+              <a:rPr lang="sq-AL" dirty="0"/>
+              <a:t>l</a:t>
+            </a:r>
+            <a:r>
+              <a:rPr lang="de-DE" dirty="0"/>
+              <a:t>i</a:t>
+            </a:r>
+            <a:r>
+              <a:rPr lang="sq-AL" dirty="0"/>
+              <a:t>sierung</a:t>
+            </a:r>
+          </a:p>
+          <a:p>
+            <a:pPr rtl="0"/>
+            <a:r>
+              <a:rPr lang="sq-AL" dirty="0"/>
+              <a:t>E</a:t>
+            </a:r>
+            <a:r>
+              <a:rPr lang="de-DE" dirty="0" err="1"/>
+              <a:t>rsteinrichtung</a:t>
+            </a:r>
+            <a:endParaRPr lang="de-DE" dirty="0"/>
+          </a:p>
+          <a:p>
+            <a:pPr rtl="0"/>
+            <a:endParaRPr lang="de-DE" dirty="0"/>
+          </a:p>
+          <a:p>
+            <a:pPr rtl="0"/>
+            <a:r>
+              <a:rPr lang="de-DE" b="1" dirty="0"/>
+              <a:t>2. Anwendungsfall </a:t>
+            </a:r>
+          </a:p>
+          <a:p>
+            <a:pPr rtl="0"/>
+            <a:endParaRPr lang="de-DE" dirty="0"/>
+          </a:p>
+          <a:p>
+            <a:pPr rtl="0"/>
+            <a:r>
+              <a:rPr lang="de-DE" dirty="0"/>
+              <a:t>Vorhandene Sensordaten ausgewertet anzeigen lassen:</a:t>
+            </a:r>
+          </a:p>
+          <a:p>
+            <a:pPr rtl="0"/>
+            <a:r>
+              <a:rPr lang="de-DE" dirty="0"/>
+              <a:t>API Daten von Luftdateninfo anzeigen lassen</a:t>
+            </a:r>
+          </a:p>
+          <a:p>
+            <a:pPr rtl="0"/>
+            <a:r>
+              <a:rPr lang="de-DE" dirty="0"/>
+              <a:t>Live Update</a:t>
+            </a:r>
+          </a:p>
+          <a:p>
+            <a:pPr rtl="0"/>
+            <a:r>
+              <a:rPr lang="de-DE" dirty="0"/>
+              <a:t>Messwertgrenze einstellen</a:t>
+            </a:r>
+          </a:p>
+          <a:p>
+            <a:pPr rtl="0"/>
+            <a:r>
+              <a:rPr lang="de-DE" dirty="0"/>
+              <a:t>Mitteilung per Email</a:t>
+            </a:r>
+          </a:p>
+          <a:p>
+            <a:pPr rtl="0"/>
+            <a:endParaRPr lang="sq-AL" dirty="0"/>
           </a:p>
           <a:p>
             <a:pPr rtl="0"/>
@@ -7400,7 +7940,7 @@
     </p:spTree>
     <p:extLst>
       <p:ext uri="{BB962C8B-B14F-4D97-AF65-F5344CB8AC3E}">
-        <p14:creationId xmlns:p14="http://schemas.microsoft.com/office/powerpoint/2010/main" val="2703094306"/>
+        <p14:creationId xmlns:p14="http://schemas.microsoft.com/office/powerpoint/2010/main" val="4091904106"/>
       </p:ext>
     </p:extLst>
   </p:cSld>
@@ -7451,163 +7991,118 @@
         </p:nvSpPr>
         <p:spPr>
           <a:xfrm>
-            <a:off x="3702361" y="188640"/>
-            <a:ext cx="4784100" cy="827956"/>
+            <a:off x="2584022" y="260648"/>
+            <a:ext cx="6084676" cy="794791"/>
           </a:xfrm>
         </p:spPr>
         <p:txBody>
+          <a:bodyPr rtlCol="0">
+            <a:normAutofit fontScale="90000"/>
+          </a:bodyPr>
+          <a:lstStyle/>
+          <a:p>
+            <a:pPr rtl="0"/>
+            <a:r>
+              <a:rPr lang="sq-AL" dirty="0"/>
+              <a:t>Sourcecode</a:t>
+            </a:r>
+            <a:r>
+              <a:rPr lang="de-DE" dirty="0"/>
+              <a:t> und Tests</a:t>
+            </a:r>
+          </a:p>
+        </p:txBody>
+      </p:sp>
+      <p:sp>
+        <p:nvSpPr>
+          <p:cNvPr id="3" name="Textplatzhalter 2"/>
+          <p:cNvSpPr>
+            <a:spLocks noGrp="1"/>
+          </p:cNvSpPr>
+          <p:nvPr>
+            <p:ph type="body" idx="1"/>
+          </p:nvPr>
+        </p:nvSpPr>
+        <p:spPr>
+          <a:xfrm>
+            <a:off x="3664142" y="1628800"/>
+            <a:ext cx="3924436" cy="4320480"/>
+          </a:xfrm>
+        </p:spPr>
+        <p:txBody>
           <a:bodyPr rtlCol="0"/>
           <a:lstStyle/>
           <a:p>
             <a:pPr rtl="0"/>
             <a:r>
-              <a:rPr lang="sq-AL" dirty="0"/>
-              <a:t>Lessons learned</a:t>
-            </a:r>
-            <a:endParaRPr lang="de-DE" dirty="0"/>
-          </a:p>
-        </p:txBody>
-      </p:sp>
-      <p:sp>
-        <p:nvSpPr>
-          <p:cNvPr id="3" name="Textplatzhalter 2"/>
-          <p:cNvSpPr>
-            <a:spLocks noGrp="1"/>
-          </p:cNvSpPr>
-          <p:nvPr>
-            <p:ph type="body" idx="1"/>
-          </p:nvPr>
-        </p:nvSpPr>
-        <p:spPr>
-          <a:xfrm>
-            <a:off x="1053852" y="1772816"/>
-            <a:ext cx="9361040" cy="3960440"/>
-          </a:xfrm>
-        </p:spPr>
-        <p:txBody>
-          <a:bodyPr rtlCol="0">
-            <a:normAutofit/>
-          </a:bodyPr>
-          <a:lstStyle/>
-          <a:p>
-            <a:r>
-              <a:rPr lang="de-DE" dirty="0"/>
-              <a:t>Da </a:t>
-            </a:r>
-            <a:r>
-              <a:rPr lang="de-DE" dirty="0" err="1"/>
-              <a:t>React</a:t>
-            </a:r>
-            <a:r>
-              <a:rPr lang="de-DE" dirty="0"/>
-              <a:t> nicht bidirektional ist, ist ein anderes Framework wie zum Beispiel </a:t>
-            </a:r>
-            <a:r>
-              <a:rPr lang="de-DE" dirty="0" err="1"/>
-              <a:t>vuejs</a:t>
-            </a:r>
-            <a:r>
-              <a:rPr lang="de-DE" dirty="0"/>
-              <a:t> deutlich kompatibler. </a:t>
-            </a:r>
-          </a:p>
-          <a:p>
-            <a:r>
-              <a:rPr lang="de-DE" dirty="0" err="1"/>
-              <a:t>React</a:t>
-            </a:r>
-            <a:r>
-              <a:rPr lang="de-DE" dirty="0"/>
-              <a:t> stellt in der Verbindung mit </a:t>
-            </a:r>
-            <a:r>
-              <a:rPr lang="de-DE" dirty="0" err="1"/>
-              <a:t>pouchdb</a:t>
-            </a:r>
-            <a:r>
-              <a:rPr lang="de-DE" dirty="0"/>
-              <a:t> keine gute Kombination dar.</a:t>
-            </a:r>
-          </a:p>
-          <a:p>
-            <a:pPr rtl="0"/>
-            <a:endParaRPr lang="de-DE" dirty="0"/>
-          </a:p>
-          <a:p>
-            <a:pPr rtl="0"/>
-            <a:r>
-              <a:rPr lang="de-DE" dirty="0"/>
-              <a:t>Zu viele Datensätze für die Nutzung für </a:t>
-            </a:r>
-            <a:r>
-              <a:rPr lang="de-DE" dirty="0" err="1"/>
-              <a:t>pouchdb</a:t>
-            </a:r>
-            <a:r>
-              <a:rPr lang="de-DE" dirty="0"/>
-              <a:t> (Historie erzeugt Datenmüll - </a:t>
-            </a:r>
-            <a:r>
-              <a:rPr lang="de-DE" dirty="0" err="1"/>
-              <a:t>revisions</a:t>
-            </a:r>
-            <a:r>
-              <a:rPr lang="de-DE" dirty="0"/>
-              <a:t>) </a:t>
-            </a:r>
-          </a:p>
-          <a:p>
-            <a:pPr rtl="0"/>
-            <a:endParaRPr lang="de-DE" dirty="0"/>
-          </a:p>
-          <a:p>
-            <a:pPr rtl="0"/>
-            <a:r>
-              <a:rPr lang="de-DE" dirty="0"/>
-              <a:t>Google Maps API funktioniert nicht offline</a:t>
-            </a:r>
-          </a:p>
-          <a:p>
-            <a:pPr rtl="0"/>
-            <a:endParaRPr lang="de-DE" dirty="0"/>
-          </a:p>
-          <a:p>
-            <a:r>
-              <a:rPr lang="de-DE" dirty="0"/>
-              <a:t>Es ist nur eine </a:t>
-            </a:r>
-            <a:r>
-              <a:rPr lang="de-DE" dirty="0" err="1"/>
-              <a:t>LuftdatenAPI</a:t>
-            </a:r>
-            <a:r>
-              <a:rPr lang="de-DE" dirty="0"/>
-              <a:t> verfügbar. (Luftdaten.info)</a:t>
-            </a:r>
-          </a:p>
-          <a:p>
-            <a:pPr rtl="0"/>
-            <a:endParaRPr lang="de-DE" dirty="0"/>
-          </a:p>
-          <a:p>
-            <a:pPr rtl="0"/>
-            <a:endParaRPr lang="de-DE" dirty="0"/>
-          </a:p>
-          <a:p>
-            <a:pPr rtl="0"/>
-            <a:endParaRPr lang="de-DE" dirty="0"/>
-          </a:p>
-          <a:p>
-            <a:pPr rtl="0"/>
-            <a:endParaRPr lang="de-DE" dirty="0"/>
-          </a:p>
-          <a:p>
-            <a:pPr rtl="0"/>
-            <a:endParaRPr lang="de-DE" dirty="0"/>
-          </a:p>
-          <a:p>
-            <a:pPr rtl="0"/>
-            <a:endParaRPr lang="de-DE" dirty="0"/>
+              <a:rPr lang="de-DE" sz="2800" dirty="0">
+                <a:solidFill>
+                  <a:schemeClr val="tx2"/>
+                </a:solidFill>
+                <a:hlinkClick r:id="rId3"/>
+              </a:rPr>
+              <a:t>Raspberry Pi</a:t>
+            </a:r>
+            <a:endParaRPr lang="de-DE" sz="2800" dirty="0">
+              <a:solidFill>
+                <a:schemeClr val="tx2"/>
+              </a:solidFill>
+            </a:endParaRPr>
+          </a:p>
+          <a:p>
+            <a:pPr rtl="0"/>
+            <a:endParaRPr lang="de-DE" sz="2800" dirty="0"/>
+          </a:p>
+          <a:p>
+            <a:pPr rtl="0"/>
+            <a:endParaRPr lang="de-DE" sz="2800" dirty="0"/>
+          </a:p>
+          <a:p>
+            <a:r>
+              <a:rPr lang="de-DE" sz="2800" dirty="0">
+                <a:hlinkClick r:id="rId4"/>
+              </a:rPr>
+              <a:t>Server/</a:t>
+            </a:r>
+            <a:r>
+              <a:rPr lang="de-DE" sz="2800" dirty="0" err="1">
+                <a:hlinkClick r:id="rId4"/>
+              </a:rPr>
+              <a:t>CouchDB</a:t>
+            </a:r>
+            <a:endParaRPr lang="de-DE" sz="2800" dirty="0"/>
+          </a:p>
+          <a:p>
+            <a:endParaRPr lang="de-DE" sz="2800" dirty="0"/>
+          </a:p>
+          <a:p>
+            <a:pPr rtl="0"/>
+            <a:endParaRPr lang="de-DE" sz="2800" dirty="0"/>
+          </a:p>
+          <a:p>
+            <a:r>
+              <a:rPr lang="de-DE" sz="2800" dirty="0">
+                <a:hlinkClick r:id="rId5"/>
+              </a:rPr>
+              <a:t>PouchDB</a:t>
+            </a:r>
+            <a:endParaRPr lang="de-DE" sz="2800" dirty="0"/>
+          </a:p>
+          <a:p>
+            <a:endParaRPr lang="de-DE" sz="2800" dirty="0"/>
+          </a:p>
+          <a:p>
+            <a:pPr rtl="0"/>
+            <a:endParaRPr lang="de-DE" sz="2800" dirty="0"/>
+          </a:p>
+          <a:p>
+            <a:r>
+              <a:rPr lang="de-DE" sz="2800" dirty="0">
+                <a:hlinkClick r:id="rId6"/>
+              </a:rPr>
+              <a:t>Frontend</a:t>
+            </a:r>
+            <a:endParaRPr lang="de-DE" sz="2800" dirty="0"/>
           </a:p>
           <a:p>
             <a:pPr rtl="0"/>
@@ -7618,7 +8113,7 @@
     </p:spTree>
     <p:extLst>
       <p:ext uri="{BB962C8B-B14F-4D97-AF65-F5344CB8AC3E}">
-        <p14:creationId xmlns:p14="http://schemas.microsoft.com/office/powerpoint/2010/main" val="2201669594"/>
+        <p14:creationId xmlns:p14="http://schemas.microsoft.com/office/powerpoint/2010/main" val="2703094306"/>
       </p:ext>
     </p:extLst>
   </p:cSld>
@@ -8306,6 +8801,132 @@
 </file>
 
 <file path=customXml/item2.xml><?xml version="1.0" encoding="utf-8"?>
+<p:properties xmlns:p="http://schemas.microsoft.com/office/2006/metadata/properties" xmlns:xsi="http://www.w3.org/2001/XMLSchema-instance" xmlns:pc="http://schemas.microsoft.com/office/infopath/2007/PartnerControls">
+  <documentManagement>
+    <DirectSourceMarket xmlns="4873beb7-5857-4685-be1f-d57550cc96cc" xsi:nil="true"/>
+    <ApprovalStatus xmlns="4873beb7-5857-4685-be1f-d57550cc96cc">InProgress</ApprovalStatus>
+    <MarketSpecific xmlns="4873beb7-5857-4685-be1f-d57550cc96cc">false</MarketSpecific>
+    <LocComments xmlns="4873beb7-5857-4685-be1f-d57550cc96cc" xsi:nil="true"/>
+    <ThumbnailAssetId xmlns="4873beb7-5857-4685-be1f-d57550cc96cc" xsi:nil="true"/>
+    <PrimaryImageGen xmlns="4873beb7-5857-4685-be1f-d57550cc96cc">false</PrimaryImageGen>
+    <LegacyData xmlns="4873beb7-5857-4685-be1f-d57550cc96cc" xsi:nil="true"/>
+    <LocRecommendedHandoff xmlns="4873beb7-5857-4685-be1f-d57550cc96cc" xsi:nil="true"/>
+    <BusinessGroup xmlns="4873beb7-5857-4685-be1f-d57550cc96cc" xsi:nil="true"/>
+    <BlockPublish xmlns="4873beb7-5857-4685-be1f-d57550cc96cc">false</BlockPublish>
+    <TPFriendlyName xmlns="4873beb7-5857-4685-be1f-d57550cc96cc" xsi:nil="true"/>
+    <NumericId xmlns="4873beb7-5857-4685-be1f-d57550cc96cc" xsi:nil="true"/>
+    <APEditor xmlns="4873beb7-5857-4685-be1f-d57550cc96cc">
+      <UserInfo>
+        <DisplayName/>
+        <AccountId xsi:nil="true"/>
+        <AccountType/>
+      </UserInfo>
+    </APEditor>
+    <SourceTitle xmlns="4873beb7-5857-4685-be1f-d57550cc96cc" xsi:nil="true"/>
+    <OpenTemplate xmlns="4873beb7-5857-4685-be1f-d57550cc96cc">true</OpenTemplate>
+    <UALocComments xmlns="4873beb7-5857-4685-be1f-d57550cc96cc" xsi:nil="true"/>
+    <ParentAssetId xmlns="4873beb7-5857-4685-be1f-d57550cc96cc" xsi:nil="true"/>
+    <IntlLangReviewDate xmlns="4873beb7-5857-4685-be1f-d57550cc96cc" xsi:nil="true"/>
+    <FeatureTagsTaxHTField0 xmlns="4873beb7-5857-4685-be1f-d57550cc96cc">
+      <Terms xmlns="http://schemas.microsoft.com/office/infopath/2007/PartnerControls"/>
+    </FeatureTagsTaxHTField0>
+    <PublishStatusLookup xmlns="4873beb7-5857-4685-be1f-d57550cc96cc">
+      <Value>1360506</Value>
+    </PublishStatusLookup>
+    <Providers xmlns="4873beb7-5857-4685-be1f-d57550cc96cc" xsi:nil="true"/>
+    <MachineTranslated xmlns="4873beb7-5857-4685-be1f-d57550cc96cc">false</MachineTranslated>
+    <OriginalSourceMarket xmlns="4873beb7-5857-4685-be1f-d57550cc96cc" xsi:nil="true"/>
+    <APDescription xmlns="4873beb7-5857-4685-be1f-d57550cc96cc" xsi:nil="true"/>
+    <ClipArtFilename xmlns="4873beb7-5857-4685-be1f-d57550cc96cc" xsi:nil="true"/>
+    <ContentItem xmlns="4873beb7-5857-4685-be1f-d57550cc96cc" xsi:nil="true"/>
+    <TPInstallLocation xmlns="4873beb7-5857-4685-be1f-d57550cc96cc" xsi:nil="true"/>
+    <PublishTargets xmlns="4873beb7-5857-4685-be1f-d57550cc96cc">OfficeOnlineVNext</PublishTargets>
+    <TimesCloned xmlns="4873beb7-5857-4685-be1f-d57550cc96cc" xsi:nil="true"/>
+    <AssetStart xmlns="4873beb7-5857-4685-be1f-d57550cc96cc">2011-12-12T13:37:00+00:00</AssetStart>
+    <Provider xmlns="4873beb7-5857-4685-be1f-d57550cc96cc" xsi:nil="true"/>
+    <AcquiredFrom xmlns="4873beb7-5857-4685-be1f-d57550cc96cc">Internal MS</AcquiredFrom>
+    <FriendlyTitle xmlns="4873beb7-5857-4685-be1f-d57550cc96cc" xsi:nil="true"/>
+    <LastHandOff xmlns="4873beb7-5857-4685-be1f-d57550cc96cc" xsi:nil="true"/>
+    <TPClientViewer xmlns="4873beb7-5857-4685-be1f-d57550cc96cc" xsi:nil="true"/>
+    <UACurrentWords xmlns="4873beb7-5857-4685-be1f-d57550cc96cc" xsi:nil="true"/>
+    <ArtSampleDocs xmlns="4873beb7-5857-4685-be1f-d57550cc96cc" xsi:nil="true"/>
+    <UALocRecommendation xmlns="4873beb7-5857-4685-be1f-d57550cc96cc">Localize</UALocRecommendation>
+    <Manager xmlns="4873beb7-5857-4685-be1f-d57550cc96cc" xsi:nil="true"/>
+    <ShowIn xmlns="4873beb7-5857-4685-be1f-d57550cc96cc">Show everywhere</ShowIn>
+    <UANotes xmlns="4873beb7-5857-4685-be1f-d57550cc96cc" xsi:nil="true"/>
+    <TemplateStatus xmlns="4873beb7-5857-4685-be1f-d57550cc96cc">Complete</TemplateStatus>
+    <InternalTagsTaxHTField0 xmlns="4873beb7-5857-4685-be1f-d57550cc96cc">
+      <Terms xmlns="http://schemas.microsoft.com/office/infopath/2007/PartnerControls"/>
+    </InternalTagsTaxHTField0>
+    <CSXHash xmlns="4873beb7-5857-4685-be1f-d57550cc96cc" xsi:nil="true"/>
+    <Downloads xmlns="4873beb7-5857-4685-be1f-d57550cc96cc">0</Downloads>
+    <VoteCount xmlns="4873beb7-5857-4685-be1f-d57550cc96cc" xsi:nil="true"/>
+    <OOCacheId xmlns="4873beb7-5857-4685-be1f-d57550cc96cc" xsi:nil="true"/>
+    <IsDeleted xmlns="4873beb7-5857-4685-be1f-d57550cc96cc">false</IsDeleted>
+    <AssetExpire xmlns="4873beb7-5857-4685-be1f-d57550cc96cc">2035-01-01T08:00:00+00:00</AssetExpire>
+    <DSATActionTaken xmlns="4873beb7-5857-4685-be1f-d57550cc96cc" xsi:nil="true"/>
+    <CSXSubmissionMarket xmlns="4873beb7-5857-4685-be1f-d57550cc96cc" xsi:nil="true"/>
+    <TPExecutable xmlns="4873beb7-5857-4685-be1f-d57550cc96cc" xsi:nil="true"/>
+    <SubmitterId xmlns="4873beb7-5857-4685-be1f-d57550cc96cc" xsi:nil="true"/>
+    <EditorialTags xmlns="4873beb7-5857-4685-be1f-d57550cc96cc" xsi:nil="true"/>
+    <ApprovalLog xmlns="4873beb7-5857-4685-be1f-d57550cc96cc" xsi:nil="true"/>
+    <AssetType xmlns="4873beb7-5857-4685-be1f-d57550cc96cc">TP</AssetType>
+    <BugNumber xmlns="4873beb7-5857-4685-be1f-d57550cc96cc" xsi:nil="true"/>
+    <CSXSubmissionDate xmlns="4873beb7-5857-4685-be1f-d57550cc96cc" xsi:nil="true"/>
+    <CSXUpdate xmlns="4873beb7-5857-4685-be1f-d57550cc96cc">false</CSXUpdate>
+    <Milestone xmlns="4873beb7-5857-4685-be1f-d57550cc96cc" xsi:nil="true"/>
+    <RecommendationsModifier xmlns="4873beb7-5857-4685-be1f-d57550cc96cc" xsi:nil="true"/>
+    <OriginAsset xmlns="4873beb7-5857-4685-be1f-d57550cc96cc" xsi:nil="true"/>
+    <TPComponent xmlns="4873beb7-5857-4685-be1f-d57550cc96cc" xsi:nil="true"/>
+    <AssetId xmlns="4873beb7-5857-4685-be1f-d57550cc96cc">TP102801108</AssetId>
+    <IntlLocPriority xmlns="4873beb7-5857-4685-be1f-d57550cc96cc" xsi:nil="true"/>
+    <PolicheckWords xmlns="4873beb7-5857-4685-be1f-d57550cc96cc" xsi:nil="true"/>
+    <TPLaunchHelpLink xmlns="4873beb7-5857-4685-be1f-d57550cc96cc" xsi:nil="true"/>
+    <TPApplication xmlns="4873beb7-5857-4685-be1f-d57550cc96cc" xsi:nil="true"/>
+    <CrawlForDependencies xmlns="4873beb7-5857-4685-be1f-d57550cc96cc">false</CrawlForDependencies>
+    <HandoffToMSDN xmlns="4873beb7-5857-4685-be1f-d57550cc96cc" xsi:nil="true"/>
+    <PlannedPubDate xmlns="4873beb7-5857-4685-be1f-d57550cc96cc" xsi:nil="true"/>
+    <IntlLangReviewer xmlns="4873beb7-5857-4685-be1f-d57550cc96cc" xsi:nil="true"/>
+    <TrustLevel xmlns="4873beb7-5857-4685-be1f-d57550cc96cc">1 Microsoft Managed Content</TrustLevel>
+    <LocLastLocAttemptVersionLookup xmlns="4873beb7-5857-4685-be1f-d57550cc96cc">706526</LocLastLocAttemptVersionLookup>
+    <IsSearchable xmlns="4873beb7-5857-4685-be1f-d57550cc96cc">true</IsSearchable>
+    <TemplateTemplateType xmlns="4873beb7-5857-4685-be1f-d57550cc96cc">PowerPoint Presentation Template</TemplateTemplateType>
+    <CampaignTagsTaxHTField0 xmlns="4873beb7-5857-4685-be1f-d57550cc96cc">
+      <Terms xmlns="http://schemas.microsoft.com/office/infopath/2007/PartnerControls"/>
+    </CampaignTagsTaxHTField0>
+    <TPNamespace xmlns="4873beb7-5857-4685-be1f-d57550cc96cc" xsi:nil="true"/>
+    <TaxCatchAll xmlns="4873beb7-5857-4685-be1f-d57550cc96cc"/>
+    <Markets xmlns="4873beb7-5857-4685-be1f-d57550cc96cc"/>
+    <UAProjectedTotalWords xmlns="4873beb7-5857-4685-be1f-d57550cc96cc" xsi:nil="true"/>
+    <IntlLangReview xmlns="4873beb7-5857-4685-be1f-d57550cc96cc">false</IntlLangReview>
+    <OutputCachingOn xmlns="4873beb7-5857-4685-be1f-d57550cc96cc">false</OutputCachingOn>
+    <AverageRating xmlns="4873beb7-5857-4685-be1f-d57550cc96cc" xsi:nil="true"/>
+    <APAuthor xmlns="4873beb7-5857-4685-be1f-d57550cc96cc">
+      <UserInfo>
+        <DisplayName>REDMOND\v-soujap</DisplayName>
+        <AccountId>1954</AccountId>
+        <AccountType/>
+      </UserInfo>
+    </APAuthor>
+    <LocManualTestRequired xmlns="4873beb7-5857-4685-be1f-d57550cc96cc">false</LocManualTestRequired>
+    <TPCommandLine xmlns="4873beb7-5857-4685-be1f-d57550cc96cc" xsi:nil="true"/>
+    <TPAppVersion xmlns="4873beb7-5857-4685-be1f-d57550cc96cc" xsi:nil="true"/>
+    <EditorialStatus xmlns="4873beb7-5857-4685-be1f-d57550cc96cc">Complete</EditorialStatus>
+    <LastModifiedDateTime xmlns="4873beb7-5857-4685-be1f-d57550cc96cc" xsi:nil="true"/>
+    <ScenarioTagsTaxHTField0 xmlns="4873beb7-5857-4685-be1f-d57550cc96cc">
+      <Terms xmlns="http://schemas.microsoft.com/office/infopath/2007/PartnerControls"/>
+    </ScenarioTagsTaxHTField0>
+    <OriginalRelease xmlns="4873beb7-5857-4685-be1f-d57550cc96cc">14</OriginalRelease>
+    <TPLaunchHelpLinkType xmlns="4873beb7-5857-4685-be1f-d57550cc96cc">Template</TPLaunchHelpLinkType>
+    <LocalizationTagsTaxHTField0 xmlns="4873beb7-5857-4685-be1f-d57550cc96cc">
+      <Terms xmlns="http://schemas.microsoft.com/office/infopath/2007/PartnerControls"/>
+    </LocalizationTagsTaxHTField0>
+    <LocMarketGroupTiers2 xmlns="4873beb7-5857-4685-be1f-d57550cc96cc" xsi:nil="true"/>
+  </documentManagement>
+</p:properties>
+</file>
+
+<file path=customXml/item3.xml><?xml version="1.0" encoding="utf-8"?>
 <ct:contentTypeSchema xmlns:ct="http://schemas.microsoft.com/office/2006/metadata/contentType" xmlns:ma="http://schemas.microsoft.com/office/2006/metadata/properties/metaAttributes" ct:_="" ma:_="" ma:contentTypeName="TemplateFile" ma:contentTypeID="0x0101006EDDDB5EE6D98C44930B742096920B300400F5B6D36B3EF94B4E9A635CDF2A18F5B8" ma:contentTypeVersion="72" ma:contentTypeDescription="Create a new document." ma:contentTypeScope="" ma:versionID="a23e56308344d904b51738559c3d67c9">
   <xsd:schema xmlns:xsd="http://www.w3.org/2001/XMLSchema" xmlns:xs="http://www.w3.org/2001/XMLSchema" xmlns:p="http://schemas.microsoft.com/office/2006/metadata/properties" xmlns:ns2="4873beb7-5857-4685-be1f-d57550cc96cc" targetNamespace="http://schemas.microsoft.com/office/2006/metadata/properties" ma:root="true" ma:fieldsID="cd0908cc4600e77bf5da051303e00c8d" ns2:_="">
     <xsd:import namespace="4873beb7-5857-4685-be1f-d57550cc96cc"/>
@@ -9345,132 +9966,6 @@
 </ct:contentTypeSchema>
 </file>
 
-<file path=customXml/item3.xml><?xml version="1.0" encoding="utf-8"?>
-<p:properties xmlns:p="http://schemas.microsoft.com/office/2006/metadata/properties" xmlns:xsi="http://www.w3.org/2001/XMLSchema-instance" xmlns:pc="http://schemas.microsoft.com/office/infopath/2007/PartnerControls">
-  <documentManagement>
-    <DirectSourceMarket xmlns="4873beb7-5857-4685-be1f-d57550cc96cc" xsi:nil="true"/>
-    <ApprovalStatus xmlns="4873beb7-5857-4685-be1f-d57550cc96cc">InProgress</ApprovalStatus>
-    <MarketSpecific xmlns="4873beb7-5857-4685-be1f-d57550cc96cc">false</MarketSpecific>
-    <LocComments xmlns="4873beb7-5857-4685-be1f-d57550cc96cc" xsi:nil="true"/>
-    <ThumbnailAssetId xmlns="4873beb7-5857-4685-be1f-d57550cc96cc" xsi:nil="true"/>
-    <PrimaryImageGen xmlns="4873beb7-5857-4685-be1f-d57550cc96cc">false</PrimaryImageGen>
-    <LegacyData xmlns="4873beb7-5857-4685-be1f-d57550cc96cc" xsi:nil="true"/>
-    <LocRecommendedHandoff xmlns="4873beb7-5857-4685-be1f-d57550cc96cc" xsi:nil="true"/>
-    <BusinessGroup xmlns="4873beb7-5857-4685-be1f-d57550cc96cc" xsi:nil="true"/>
-    <BlockPublish xmlns="4873beb7-5857-4685-be1f-d57550cc96cc">false</BlockPublish>
-    <TPFriendlyName xmlns="4873beb7-5857-4685-be1f-d57550cc96cc" xsi:nil="true"/>
-    <NumericId xmlns="4873beb7-5857-4685-be1f-d57550cc96cc" xsi:nil="true"/>
-    <APEditor xmlns="4873beb7-5857-4685-be1f-d57550cc96cc">
-      <UserInfo>
-        <DisplayName/>
-        <AccountId xsi:nil="true"/>
-        <AccountType/>
-      </UserInfo>
-    </APEditor>
-    <SourceTitle xmlns="4873beb7-5857-4685-be1f-d57550cc96cc" xsi:nil="true"/>
-    <OpenTemplate xmlns="4873beb7-5857-4685-be1f-d57550cc96cc">true</OpenTemplate>
-    <UALocComments xmlns="4873beb7-5857-4685-be1f-d57550cc96cc" xsi:nil="true"/>
-    <ParentAssetId xmlns="4873beb7-5857-4685-be1f-d57550cc96cc" xsi:nil="true"/>
-    <IntlLangReviewDate xmlns="4873beb7-5857-4685-be1f-d57550cc96cc" xsi:nil="true"/>
-    <FeatureTagsTaxHTField0 xmlns="4873beb7-5857-4685-be1f-d57550cc96cc">
-      <Terms xmlns="http://schemas.microsoft.com/office/infopath/2007/PartnerControls"/>
-    </FeatureTagsTaxHTField0>
-    <PublishStatusLookup xmlns="4873beb7-5857-4685-be1f-d57550cc96cc">
-      <Value>1360506</Value>
-    </PublishStatusLookup>
-    <Providers xmlns="4873beb7-5857-4685-be1f-d57550cc96cc" xsi:nil="true"/>
-    <MachineTranslated xmlns="4873beb7-5857-4685-be1f-d57550cc96cc">false</MachineTranslated>
-    <OriginalSourceMarket xmlns="4873beb7-5857-4685-be1f-d57550cc96cc" xsi:nil="true"/>
-    <APDescription xmlns="4873beb7-5857-4685-be1f-d57550cc96cc" xsi:nil="true"/>
-    <ClipArtFilename xmlns="4873beb7-5857-4685-be1f-d57550cc96cc" xsi:nil="true"/>
-    <ContentItem xmlns="4873beb7-5857-4685-be1f-d57550cc96cc" xsi:nil="true"/>
-    <TPInstallLocation xmlns="4873beb7-5857-4685-be1f-d57550cc96cc" xsi:nil="true"/>
-    <PublishTargets xmlns="4873beb7-5857-4685-be1f-d57550cc96cc">OfficeOnlineVNext</PublishTargets>
-    <TimesCloned xmlns="4873beb7-5857-4685-be1f-d57550cc96cc" xsi:nil="true"/>
-    <AssetStart xmlns="4873beb7-5857-4685-be1f-d57550cc96cc">2011-12-12T13:37:00+00:00</AssetStart>
-    <Provider xmlns="4873beb7-5857-4685-be1f-d57550cc96cc" xsi:nil="true"/>
-    <AcquiredFrom xmlns="4873beb7-5857-4685-be1f-d57550cc96cc">Internal MS</AcquiredFrom>
-    <FriendlyTitle xmlns="4873beb7-5857-4685-be1f-d57550cc96cc" xsi:nil="true"/>
-    <LastHandOff xmlns="4873beb7-5857-4685-be1f-d57550cc96cc" xsi:nil="true"/>
-    <TPClientViewer xmlns="4873beb7-5857-4685-be1f-d57550cc96cc" xsi:nil="true"/>
-    <UACurrentWords xmlns="4873beb7-5857-4685-be1f-d57550cc96cc" xsi:nil="true"/>
-    <ArtSampleDocs xmlns="4873beb7-5857-4685-be1f-d57550cc96cc" xsi:nil="true"/>
-    <UALocRecommendation xmlns="4873beb7-5857-4685-be1f-d57550cc96cc">Localize</UALocRecommendation>
-    <Manager xmlns="4873beb7-5857-4685-be1f-d57550cc96cc" xsi:nil="true"/>
-    <ShowIn xmlns="4873beb7-5857-4685-be1f-d57550cc96cc">Show everywhere</ShowIn>
-    <UANotes xmlns="4873beb7-5857-4685-be1f-d57550cc96cc" xsi:nil="true"/>
-    <TemplateStatus xmlns="4873beb7-5857-4685-be1f-d57550cc96cc">Complete</TemplateStatus>
-    <InternalTagsTaxHTField0 xmlns="4873beb7-5857-4685-be1f-d57550cc96cc">
-      <Terms xmlns="http://schemas.microsoft.com/office/infopath/2007/PartnerControls"/>
-    </InternalTagsTaxHTField0>
-    <CSXHash xmlns="4873beb7-5857-4685-be1f-d57550cc96cc" xsi:nil="true"/>
-    <Downloads xmlns="4873beb7-5857-4685-be1f-d57550cc96cc">0</Downloads>
-    <VoteCount xmlns="4873beb7-5857-4685-be1f-d57550cc96cc" xsi:nil="true"/>
-    <OOCacheId xmlns="4873beb7-5857-4685-be1f-d57550cc96cc" xsi:nil="true"/>
-    <IsDeleted xmlns="4873beb7-5857-4685-be1f-d57550cc96cc">false</IsDeleted>
-    <AssetExpire xmlns="4873beb7-5857-4685-be1f-d57550cc96cc">2035-01-01T08:00:00+00:00</AssetExpire>
-    <DSATActionTaken xmlns="4873beb7-5857-4685-be1f-d57550cc96cc" xsi:nil="true"/>
-    <CSXSubmissionMarket xmlns="4873beb7-5857-4685-be1f-d57550cc96cc" xsi:nil="true"/>
-    <TPExecutable xmlns="4873beb7-5857-4685-be1f-d57550cc96cc" xsi:nil="true"/>
-    <SubmitterId xmlns="4873beb7-5857-4685-be1f-d57550cc96cc" xsi:nil="true"/>
-    <EditorialTags xmlns="4873beb7-5857-4685-be1f-d57550cc96cc" xsi:nil="true"/>
-    <ApprovalLog xmlns="4873beb7-5857-4685-be1f-d57550cc96cc" xsi:nil="true"/>
-    <AssetType xmlns="4873beb7-5857-4685-be1f-d57550cc96cc">TP</AssetType>
-    <BugNumber xmlns="4873beb7-5857-4685-be1f-d57550cc96cc" xsi:nil="true"/>
-    <CSXSubmissionDate xmlns="4873beb7-5857-4685-be1f-d57550cc96cc" xsi:nil="true"/>
-    <CSXUpdate xmlns="4873beb7-5857-4685-be1f-d57550cc96cc">false</CSXUpdate>
-    <Milestone xmlns="4873beb7-5857-4685-be1f-d57550cc96cc" xsi:nil="true"/>
-    <RecommendationsModifier xmlns="4873beb7-5857-4685-be1f-d57550cc96cc" xsi:nil="true"/>
-    <OriginAsset xmlns="4873beb7-5857-4685-be1f-d57550cc96cc" xsi:nil="true"/>
-    <TPComponent xmlns="4873beb7-5857-4685-be1f-d57550cc96cc" xsi:nil="true"/>
-    <AssetId xmlns="4873beb7-5857-4685-be1f-d57550cc96cc">TP102801108</AssetId>
-    <IntlLocPriority xmlns="4873beb7-5857-4685-be1f-d57550cc96cc" xsi:nil="true"/>
-    <PolicheckWords xmlns="4873beb7-5857-4685-be1f-d57550cc96cc" xsi:nil="true"/>
-    <TPLaunchHelpLink xmlns="4873beb7-5857-4685-be1f-d57550cc96cc" xsi:nil="true"/>
-    <TPApplication xmlns="4873beb7-5857-4685-be1f-d57550cc96cc" xsi:nil="true"/>
-    <CrawlForDependencies xmlns="4873beb7-5857-4685-be1f-d57550cc96cc">false</CrawlForDependencies>
-    <HandoffToMSDN xmlns="4873beb7-5857-4685-be1f-d57550cc96cc" xsi:nil="true"/>
-    <PlannedPubDate xmlns="4873beb7-5857-4685-be1f-d57550cc96cc" xsi:nil="true"/>
-    <IntlLangReviewer xmlns="4873beb7-5857-4685-be1f-d57550cc96cc" xsi:nil="true"/>
-    <TrustLevel xmlns="4873beb7-5857-4685-be1f-d57550cc96cc">1 Microsoft Managed Content</TrustLevel>
-    <LocLastLocAttemptVersionLookup xmlns="4873beb7-5857-4685-be1f-d57550cc96cc">706526</LocLastLocAttemptVersionLookup>
-    <IsSearchable xmlns="4873beb7-5857-4685-be1f-d57550cc96cc">true</IsSearchable>
-    <TemplateTemplateType xmlns="4873beb7-5857-4685-be1f-d57550cc96cc">PowerPoint Presentation Template</TemplateTemplateType>
-    <CampaignTagsTaxHTField0 xmlns="4873beb7-5857-4685-be1f-d57550cc96cc">
-      <Terms xmlns="http://schemas.microsoft.com/office/infopath/2007/PartnerControls"/>
-    </CampaignTagsTaxHTField0>
-    <TPNamespace xmlns="4873beb7-5857-4685-be1f-d57550cc96cc" xsi:nil="true"/>
-    <TaxCatchAll xmlns="4873beb7-5857-4685-be1f-d57550cc96cc"/>
-    <Markets xmlns="4873beb7-5857-4685-be1f-d57550cc96cc"/>
-    <UAProjectedTotalWords xmlns="4873beb7-5857-4685-be1f-d57550cc96cc" xsi:nil="true"/>
-    <IntlLangReview xmlns="4873beb7-5857-4685-be1f-d57550cc96cc">false</IntlLangReview>
-    <OutputCachingOn xmlns="4873beb7-5857-4685-be1f-d57550cc96cc">false</OutputCachingOn>
-    <AverageRating xmlns="4873beb7-5857-4685-be1f-d57550cc96cc" xsi:nil="true"/>
-    <APAuthor xmlns="4873beb7-5857-4685-be1f-d57550cc96cc">
-      <UserInfo>
-        <DisplayName>REDMOND\v-soujap</DisplayName>
-        <AccountId>1954</AccountId>
-        <AccountType/>
-      </UserInfo>
-    </APAuthor>
-    <LocManualTestRequired xmlns="4873beb7-5857-4685-be1f-d57550cc96cc">false</LocManualTestRequired>
-    <TPCommandLine xmlns="4873beb7-5857-4685-be1f-d57550cc96cc" xsi:nil="true"/>
-    <TPAppVersion xmlns="4873beb7-5857-4685-be1f-d57550cc96cc" xsi:nil="true"/>
-    <EditorialStatus xmlns="4873beb7-5857-4685-be1f-d57550cc96cc">Complete</EditorialStatus>
-    <LastModifiedDateTime xmlns="4873beb7-5857-4685-be1f-d57550cc96cc" xsi:nil="true"/>
-    <ScenarioTagsTaxHTField0 xmlns="4873beb7-5857-4685-be1f-d57550cc96cc">
-      <Terms xmlns="http://schemas.microsoft.com/office/infopath/2007/PartnerControls"/>
-    </ScenarioTagsTaxHTField0>
-    <OriginalRelease xmlns="4873beb7-5857-4685-be1f-d57550cc96cc">14</OriginalRelease>
-    <TPLaunchHelpLinkType xmlns="4873beb7-5857-4685-be1f-d57550cc96cc">Template</TPLaunchHelpLinkType>
-    <LocalizationTagsTaxHTField0 xmlns="4873beb7-5857-4685-be1f-d57550cc96cc">
-      <Terms xmlns="http://schemas.microsoft.com/office/infopath/2007/PartnerControls"/>
-    </LocalizationTagsTaxHTField0>
-    <LocMarketGroupTiers2 xmlns="4873beb7-5857-4685-be1f-d57550cc96cc" xsi:nil="true"/>
-  </documentManagement>
-</p:properties>
-</file>
-
 <file path=customXml/itemProps1.xml><?xml version="1.0" encoding="utf-8"?>
 <ds:datastoreItem xmlns:ds="http://schemas.openxmlformats.org/officeDocument/2006/customXml" ds:itemID="{211E33DF-2340-4F4E-B874-B73FEFEBFC8D}">
   <ds:schemaRefs>
@@ -9480,6 +9975,22 @@
 </file>
 
 <file path=customXml/itemProps2.xml><?xml version="1.0" encoding="utf-8"?>
+<ds:datastoreItem xmlns:ds="http://schemas.openxmlformats.org/officeDocument/2006/customXml" ds:itemID="{0F249165-F638-412C-8E0A-DFB7045CA2E0}">
+  <ds:schemaRefs>
+    <ds:schemaRef ds:uri="4873beb7-5857-4685-be1f-d57550cc96cc"/>
+    <ds:schemaRef ds:uri="http://schemas.openxmlformats.org/package/2006/metadata/core-properties"/>
+    <ds:schemaRef ds:uri="http://purl.org/dc/terms/"/>
+    <ds:schemaRef ds:uri="http://schemas.microsoft.com/office/2006/documentManagement/types"/>
+    <ds:schemaRef ds:uri="http://purl.org/dc/elements/1.1/"/>
+    <ds:schemaRef ds:uri="http://schemas.microsoft.com/office/2006/metadata/properties"/>
+    <ds:schemaRef ds:uri="http://schemas.microsoft.com/office/infopath/2007/PartnerControls"/>
+    <ds:schemaRef ds:uri="http://www.w3.org/XML/1998/namespace"/>
+    <ds:schemaRef ds:uri="http://purl.org/dc/dcmitype/"/>
+  </ds:schemaRefs>
+</ds:datastoreItem>
+</file>
+
+<file path=customXml/itemProps3.xml><?xml version="1.0" encoding="utf-8"?>
 <ds:datastoreItem xmlns:ds="http://schemas.openxmlformats.org/officeDocument/2006/customXml" ds:itemID="{4683C129-7B42-490A-AD74-E9303BC76D39}">
   <ds:schemaRefs>
     <ds:schemaRef ds:uri="http://schemas.microsoft.com/office/2006/metadata/contentType"/>
@@ -9495,20 +10006,4 @@
     <ds:schemaRef ds:uri="http://schemas.microsoft.com/internal/obd"/>
   </ds:schemaRefs>
 </ds:datastoreItem>
-</file>
-
-<file path=customXml/itemProps3.xml><?xml version="1.0" encoding="utf-8"?>
-<ds:datastoreItem xmlns:ds="http://schemas.openxmlformats.org/officeDocument/2006/customXml" ds:itemID="{0F249165-F638-412C-8E0A-DFB7045CA2E0}">
-  <ds:schemaRefs>
-    <ds:schemaRef ds:uri="4873beb7-5857-4685-be1f-d57550cc96cc"/>
-    <ds:schemaRef ds:uri="http://schemas.openxmlformats.org/package/2006/metadata/core-properties"/>
-    <ds:schemaRef ds:uri="http://purl.org/dc/terms/"/>
-    <ds:schemaRef ds:uri="http://schemas.microsoft.com/office/2006/documentManagement/types"/>
-    <ds:schemaRef ds:uri="http://purl.org/dc/elements/1.1/"/>
-    <ds:schemaRef ds:uri="http://schemas.microsoft.com/office/2006/metadata/properties"/>
-    <ds:schemaRef ds:uri="http://schemas.microsoft.com/office/infopath/2007/PartnerControls"/>
-    <ds:schemaRef ds:uri="http://www.w3.org/XML/1998/namespace"/>
-    <ds:schemaRef ds:uri="http://purl.org/dc/dcmitype/"/>
-  </ds:schemaRefs>
-</ds:datastoreItem>
 </file>